--- a/個人製作　発表.pptx
+++ b/個人製作　発表.pptx
@@ -215,7 +215,7 @@
           <a:p>
             <a:fld id="{353C3AC4-F921-4A3E-A828-E7DEEC49BC52}" type="datetimeFigureOut">
               <a:rPr kumimoji="1" lang="ja-JP" altLang="en-US" smtClean="0"/>
-              <a:t>2022/12/7</a:t>
+              <a:t>2022/12/12</a:t>
             </a:fld>
             <a:endParaRPr kumimoji="1" lang="ja-JP" altLang="en-US"/>
           </a:p>
@@ -1029,7 +1029,7 @@
           <a:p>
             <a:fld id="{D0710A03-B577-428C-B298-5EECF529A329}" type="datetimeFigureOut">
               <a:rPr kumimoji="1" lang="ja-JP" altLang="en-US" smtClean="0"/>
-              <a:t>2022/12/7</a:t>
+              <a:t>2022/12/12</a:t>
             </a:fld>
             <a:endParaRPr kumimoji="1" lang="ja-JP" altLang="en-US"/>
           </a:p>
@@ -1234,7 +1234,7 @@
           <a:p>
             <a:fld id="{D0710A03-B577-428C-B298-5EECF529A329}" type="datetimeFigureOut">
               <a:rPr kumimoji="1" lang="ja-JP" altLang="en-US" smtClean="0"/>
-              <a:t>2022/12/7</a:t>
+              <a:t>2022/12/12</a:t>
             </a:fld>
             <a:endParaRPr kumimoji="1" lang="ja-JP" altLang="en-US"/>
           </a:p>
@@ -1449,7 +1449,7 @@
           <a:p>
             <a:fld id="{D0710A03-B577-428C-B298-5EECF529A329}" type="datetimeFigureOut">
               <a:rPr kumimoji="1" lang="ja-JP" altLang="en-US" smtClean="0"/>
-              <a:t>2022/12/7</a:t>
+              <a:t>2022/12/12</a:t>
             </a:fld>
             <a:endParaRPr kumimoji="1" lang="ja-JP" altLang="en-US"/>
           </a:p>
@@ -1654,7 +1654,7 @@
           <a:p>
             <a:fld id="{D0710A03-B577-428C-B298-5EECF529A329}" type="datetimeFigureOut">
               <a:rPr kumimoji="1" lang="ja-JP" altLang="en-US" smtClean="0"/>
-              <a:t>2022/12/7</a:t>
+              <a:t>2022/12/12</a:t>
             </a:fld>
             <a:endParaRPr kumimoji="1" lang="ja-JP" altLang="en-US"/>
           </a:p>
@@ -1903,7 +1903,7 @@
           <a:p>
             <a:fld id="{D0710A03-B577-428C-B298-5EECF529A329}" type="datetimeFigureOut">
               <a:rPr kumimoji="1" lang="ja-JP" altLang="en-US" smtClean="0"/>
-              <a:t>2022/12/7</a:t>
+              <a:t>2022/12/12</a:t>
             </a:fld>
             <a:endParaRPr kumimoji="1" lang="ja-JP" altLang="en-US"/>
           </a:p>
@@ -2202,7 +2202,7 @@
           <a:p>
             <a:fld id="{D0710A03-B577-428C-B298-5EECF529A329}" type="datetimeFigureOut">
               <a:rPr kumimoji="1" lang="ja-JP" altLang="en-US" smtClean="0"/>
-              <a:t>2022/12/7</a:t>
+              <a:t>2022/12/12</a:t>
             </a:fld>
             <a:endParaRPr kumimoji="1" lang="ja-JP" altLang="en-US"/>
           </a:p>
@@ -2636,7 +2636,7 @@
           <a:p>
             <a:fld id="{D0710A03-B577-428C-B298-5EECF529A329}" type="datetimeFigureOut">
               <a:rPr kumimoji="1" lang="ja-JP" altLang="en-US" smtClean="0"/>
-              <a:t>2022/12/7</a:t>
+              <a:t>2022/12/12</a:t>
             </a:fld>
             <a:endParaRPr kumimoji="1" lang="ja-JP" altLang="en-US"/>
           </a:p>
@@ -2757,7 +2757,7 @@
           <a:p>
             <a:fld id="{D0710A03-B577-428C-B298-5EECF529A329}" type="datetimeFigureOut">
               <a:rPr kumimoji="1" lang="ja-JP" altLang="en-US" smtClean="0"/>
-              <a:t>2022/12/7</a:t>
+              <a:t>2022/12/12</a:t>
             </a:fld>
             <a:endParaRPr kumimoji="1" lang="ja-JP" altLang="en-US"/>
           </a:p>
@@ -2855,7 +2855,7 @@
           <a:p>
             <a:fld id="{D0710A03-B577-428C-B298-5EECF529A329}" type="datetimeFigureOut">
               <a:rPr kumimoji="1" lang="ja-JP" altLang="en-US" smtClean="0"/>
-              <a:t>2022/12/7</a:t>
+              <a:t>2022/12/12</a:t>
             </a:fld>
             <a:endParaRPr kumimoji="1" lang="ja-JP" altLang="en-US"/>
           </a:p>
@@ -3167,7 +3167,7 @@
           <a:p>
             <a:fld id="{D0710A03-B577-428C-B298-5EECF529A329}" type="datetimeFigureOut">
               <a:rPr kumimoji="1" lang="ja-JP" altLang="en-US" smtClean="0"/>
-              <a:t>2022/12/7</a:t>
+              <a:t>2022/12/12</a:t>
             </a:fld>
             <a:endParaRPr kumimoji="1" lang="ja-JP" altLang="en-US"/>
           </a:p>
@@ -3423,7 +3423,7 @@
           <a:p>
             <a:fld id="{D0710A03-B577-428C-B298-5EECF529A329}" type="datetimeFigureOut">
               <a:rPr kumimoji="1" lang="ja-JP" altLang="en-US" smtClean="0"/>
-              <a:t>2022/12/7</a:t>
+              <a:t>2022/12/12</a:t>
             </a:fld>
             <a:endParaRPr kumimoji="1" lang="ja-JP" altLang="en-US"/>
           </a:p>
@@ -3680,7 +3680,7 @@
           <a:p>
             <a:fld id="{D0710A03-B577-428C-B298-5EECF529A329}" type="datetimeFigureOut">
               <a:rPr kumimoji="1" lang="ja-JP" altLang="en-US" smtClean="0"/>
-              <a:t>2022/12/7</a:t>
+              <a:t>2022/12/12</a:t>
             </a:fld>
             <a:endParaRPr kumimoji="1" lang="ja-JP" altLang="en-US"/>
           </a:p>
@@ -4115,8 +4115,10 @@
                 <a:solidFill>
                   <a:schemeClr val="bg1"/>
                 </a:solidFill>
+                <a:latin typeface="ＭＳ ゴシック" panose="020B0609070205080204" pitchFamily="49" charset="-128"/>
+                <a:ea typeface="ＭＳ ゴシック" panose="020B0609070205080204" pitchFamily="49" charset="-128"/>
               </a:rPr>
-              <a:t>個人製作作品</a:t>
+              <a:t>製作作品</a:t>
             </a:r>
             <a:r>
               <a:rPr kumimoji="1" lang="en-US" altLang="ja-JP" sz="6600" dirty="0" smtClean="0">
@@ -4149,25 +4151,41 @@
               </a:rPr>
             </a:br>
             <a:r>
-              <a:rPr lang="ja-JP" altLang="en-US" sz="6600" dirty="0">
-                <a:solidFill>
-                  <a:schemeClr val="bg1"/>
-                </a:solidFill>
-              </a:rPr>
-              <a:t>作</a:t>
-            </a:r>
-            <a:r>
               <a:rPr lang="ja-JP" altLang="en-US" sz="6600" dirty="0" smtClean="0">
                 <a:solidFill>
                   <a:schemeClr val="bg1"/>
                 </a:solidFill>
+                <a:latin typeface="+mn-ea"/>
+                <a:ea typeface="+mn-ea"/>
               </a:rPr>
-              <a:t>品名「」</a:t>
+              <a:t>タイトル</a:t>
+            </a:r>
+            <a:r>
+              <a:rPr lang="ja-JP" altLang="en-US" sz="6600" dirty="0" smtClean="0">
+                <a:solidFill>
+                  <a:schemeClr val="bg1"/>
+                </a:solidFill>
+                <a:latin typeface="+mn-ea"/>
+                <a:ea typeface="+mn-ea"/>
+              </a:rPr>
+              <a:t>「</a:t>
+            </a:r>
+            <a:r>
+              <a:rPr lang="ja-JP" altLang="en-US" sz="6600" dirty="0" smtClean="0">
+                <a:solidFill>
+                  <a:schemeClr val="bg1"/>
+                </a:solidFill>
+                <a:latin typeface="+mn-ea"/>
+                <a:ea typeface="+mn-ea"/>
+              </a:rPr>
+              <a:t>」</a:t>
             </a:r>
             <a:endParaRPr kumimoji="1" lang="ja-JP" altLang="en-US" sz="6600" dirty="0">
               <a:solidFill>
                 <a:schemeClr val="bg1"/>
               </a:solidFill>
+              <a:latin typeface="+mn-ea"/>
+              <a:ea typeface="+mn-ea"/>
             </a:endParaRPr>
           </a:p>
         </p:txBody>
@@ -4180,8 +4198,8 @@
         </p:nvSpPr>
         <p:spPr>
           <a:xfrm>
-            <a:off x="4632248" y="6096000"/>
-            <a:ext cx="7571303" cy="584775"/>
+            <a:off x="9636868" y="6105833"/>
+            <a:ext cx="2236510" cy="584775"/>
           </a:xfrm>
           <a:prstGeom prst="rect">
             <a:avLst/>
@@ -4200,7 +4218,7 @@
                   <a:schemeClr val="bg1"/>
                 </a:solidFill>
               </a:rPr>
-              <a:t>ゲームクリエイター学科一年　富川　廉</a:t>
+              <a:t>　富川　廉</a:t>
             </a:r>
             <a:endParaRPr kumimoji="1" lang="ja-JP" altLang="en-US" sz="3200" dirty="0">
               <a:solidFill>
@@ -4220,11 +4238,11 @@
   <p:clrMapOvr>
     <a:masterClrMapping/>
   </p:clrMapOvr>
-  <mc:AlternateContent xmlns:mc="http://schemas.openxmlformats.org/markup-compatibility/2006">
-    <mc:Choice xmlns:p14="http://schemas.microsoft.com/office/powerpoint/2010/main" Requires="p14">
+  <mc:AlternateContent xmlns:mc="http://schemas.openxmlformats.org/markup-compatibility/2006" xmlns:p14="http://schemas.microsoft.com/office/powerpoint/2010/main">
+    <mc:Choice Requires="p14">
       <p:transition p14:dur="0"/>
     </mc:Choice>
-    <mc:Fallback>
+    <mc:Fallback xmlns="">
       <p:transition/>
     </mc:Fallback>
   </mc:AlternateContent>
@@ -4267,71 +4285,79 @@
         </p:nvSpPr>
         <p:spPr/>
         <p:txBody>
-          <a:bodyPr/>
-          <a:lstStyle/>
-          <a:p>
-            <a:r>
-              <a:rPr kumimoji="1" lang="ja-JP" altLang="en-US" sz="4800" dirty="0" smtClean="0">
+          <a:bodyPr>
+            <a:normAutofit/>
+          </a:bodyPr>
+          <a:lstStyle/>
+          <a:p>
+            <a:r>
+              <a:rPr lang="ja-JP" altLang="en-US" sz="4800" dirty="0" smtClean="0">
+                <a:solidFill>
+                  <a:schemeClr val="bg1"/>
+                </a:solidFill>
+                <a:latin typeface="ＭＳ ゴシック" panose="020B0609070205080204" pitchFamily="49" charset="-128"/>
+                <a:ea typeface="ＭＳ ゴシック" panose="020B0609070205080204" pitchFamily="49" charset="-128"/>
+                <a:cs typeface="Arial" panose="020B0604020202020204" pitchFamily="34" charset="0"/>
+              </a:rPr>
+              <a:t>目次</a:t>
+            </a:r>
+            <a:endParaRPr kumimoji="1" lang="ja-JP" altLang="en-US" sz="4800" dirty="0">
+              <a:solidFill>
+                <a:schemeClr val="bg1"/>
+              </a:solidFill>
+              <a:latin typeface="ＭＳ ゴシック" panose="020B0609070205080204" pitchFamily="49" charset="-128"/>
+              <a:ea typeface="ＭＳ ゴシック" panose="020B0609070205080204" pitchFamily="49" charset="-128"/>
+              <a:cs typeface="Arial" panose="020B0604020202020204" pitchFamily="34" charset="0"/>
+            </a:endParaRPr>
+          </a:p>
+        </p:txBody>
+      </p:sp>
+      <p:sp>
+        <p:nvSpPr>
+          <p:cNvPr id="3" name="コンテンツ プレースホルダー 2"/>
+          <p:cNvSpPr>
+            <a:spLocks noGrp="1"/>
+          </p:cNvSpPr>
+          <p:nvPr>
+            <p:ph idx="1"/>
+          </p:nvPr>
+        </p:nvSpPr>
+        <p:spPr>
+          <a:xfrm>
+            <a:off x="944965" y="1690688"/>
+            <a:ext cx="9477229" cy="3416300"/>
+          </a:xfrm>
+        </p:spPr>
+        <p:txBody>
+          <a:bodyPr>
+            <a:noAutofit/>
+          </a:bodyPr>
+          <a:lstStyle/>
+          <a:p>
+            <a:r>
+              <a:rPr lang="ja-JP" altLang="en-US" sz="3200" dirty="0" smtClean="0">
                 <a:solidFill>
                   <a:schemeClr val="bg1"/>
                 </a:solidFill>
               </a:rPr>
-              <a:t>目次</a:t>
-            </a:r>
-            <a:endParaRPr kumimoji="1" lang="ja-JP" altLang="en-US" sz="4800" dirty="0">
+              <a:t>コンセプト</a:t>
+            </a:r>
+            <a:endParaRPr lang="en-US" altLang="ja-JP" sz="3200" dirty="0" smtClean="0">
               <a:solidFill>
                 <a:schemeClr val="bg1"/>
               </a:solidFill>
             </a:endParaRPr>
           </a:p>
-        </p:txBody>
-      </p:sp>
-      <p:sp>
-        <p:nvSpPr>
-          <p:cNvPr id="3" name="コンテンツ プレースホルダー 2"/>
-          <p:cNvSpPr>
-            <a:spLocks noGrp="1"/>
-          </p:cNvSpPr>
-          <p:nvPr>
-            <p:ph idx="1"/>
-          </p:nvPr>
-        </p:nvSpPr>
-        <p:spPr>
-          <a:xfrm>
-            <a:off x="1220268" y="2426219"/>
-            <a:ext cx="8825659" cy="3416300"/>
-          </a:xfrm>
-        </p:spPr>
-        <p:txBody>
-          <a:bodyPr>
-            <a:noAutofit/>
-          </a:bodyPr>
-          <a:lstStyle/>
-          <a:p>
-            <a:r>
-              <a:rPr kumimoji="1" lang="ja-JP" altLang="en-US" sz="2800" dirty="0" smtClean="0">
-                <a:solidFill>
-                  <a:schemeClr val="bg1"/>
-                </a:solidFill>
-              </a:rPr>
-              <a:t>このゲームを作ろうと思った理由</a:t>
-            </a:r>
-            <a:endParaRPr lang="en-US" altLang="ja-JP" sz="2800" dirty="0">
+          <a:p>
+            <a:endParaRPr kumimoji="1" lang="en-US" altLang="ja-JP" sz="3200" dirty="0" smtClean="0">
               <a:solidFill>
                 <a:schemeClr val="bg1"/>
               </a:solidFill>
             </a:endParaRPr>
           </a:p>
           <a:p>
-            <a:endParaRPr kumimoji="1" lang="en-US" altLang="ja-JP" sz="2800" dirty="0" smtClean="0">
-              <a:solidFill>
-                <a:schemeClr val="bg1"/>
-              </a:solidFill>
-            </a:endParaRPr>
-          </a:p>
-          <a:p>
-            <a:r>
-              <a:rPr lang="ja-JP" altLang="en-US" sz="2800" dirty="0" smtClean="0">
+            <a:r>
+              <a:rPr lang="ja-JP" altLang="en-US" sz="3200" dirty="0" smtClean="0">
                 <a:solidFill>
                   <a:schemeClr val="bg1"/>
                 </a:solidFill>
@@ -4339,7 +4365,7 @@
               <a:t>ゲーム</a:t>
             </a:r>
             <a:r>
-              <a:rPr lang="ja-JP" altLang="en-US" sz="2800" dirty="0">
+              <a:rPr lang="ja-JP" altLang="en-US" sz="3200" dirty="0">
                 <a:solidFill>
                   <a:schemeClr val="bg1"/>
                 </a:solidFill>
@@ -4347,7 +4373,7 @@
               <a:t>概要</a:t>
             </a:r>
             <a:r>
-              <a:rPr lang="ja-JP" altLang="en-US" sz="2800" dirty="0" smtClean="0">
+              <a:rPr lang="ja-JP" altLang="en-US" sz="3200" dirty="0" smtClean="0">
                 <a:solidFill>
                   <a:schemeClr val="bg1"/>
                 </a:solidFill>
@@ -4355,7 +4381,7 @@
               <a:t>や</a:t>
             </a:r>
             <a:r>
-              <a:rPr lang="ja-JP" altLang="en-US" sz="2800" dirty="0">
+              <a:rPr lang="ja-JP" altLang="en-US" sz="3200" dirty="0">
                 <a:solidFill>
                   <a:schemeClr val="bg1"/>
                 </a:solidFill>
@@ -4363,21 +4389,21 @@
               <a:t>操作方法</a:t>
             </a:r>
             <a:r>
-              <a:rPr lang="ja-JP" altLang="en-US" sz="2800" dirty="0" smtClean="0">
+              <a:rPr lang="ja-JP" altLang="en-US" sz="3200" dirty="0" smtClean="0">
                 <a:solidFill>
                   <a:schemeClr val="bg1"/>
                 </a:solidFill>
               </a:rPr>
               <a:t>など</a:t>
             </a:r>
-            <a:endParaRPr lang="en-US" altLang="ja-JP" sz="2800" dirty="0" smtClean="0">
+            <a:endParaRPr lang="en-US" altLang="ja-JP" sz="3200" dirty="0" smtClean="0">
               <a:solidFill>
                 <a:schemeClr val="bg1"/>
               </a:solidFill>
             </a:endParaRPr>
           </a:p>
           <a:p>
-            <a:endParaRPr kumimoji="1" lang="en-US" altLang="ja-JP" sz="2800" dirty="0">
+            <a:endParaRPr kumimoji="1" lang="en-US" altLang="ja-JP" sz="3200" dirty="0">
               <a:solidFill>
                 <a:schemeClr val="bg1"/>
               </a:solidFill>
@@ -4385,21 +4411,21 @@
           </a:p>
           <a:p>
             <a:r>
-              <a:rPr lang="ja-JP" altLang="en-US" sz="2800" dirty="0" smtClean="0">
+              <a:rPr lang="ja-JP" altLang="en-US" sz="3200" dirty="0" smtClean="0">
                 <a:solidFill>
                   <a:schemeClr val="bg1"/>
                 </a:solidFill>
               </a:rPr>
               <a:t>このゲームのおすすめポイント、工夫したところ</a:t>
             </a:r>
-            <a:endParaRPr lang="en-US" altLang="ja-JP" sz="2800" dirty="0" smtClean="0">
+            <a:endParaRPr lang="en-US" altLang="ja-JP" sz="3200" dirty="0" smtClean="0">
               <a:solidFill>
                 <a:schemeClr val="bg1"/>
               </a:solidFill>
             </a:endParaRPr>
           </a:p>
           <a:p>
-            <a:endParaRPr kumimoji="1" lang="en-US" altLang="ja-JP" sz="2800" dirty="0">
+            <a:endParaRPr kumimoji="1" lang="en-US" altLang="ja-JP" sz="3200" dirty="0" smtClean="0">
               <a:solidFill>
                 <a:schemeClr val="bg1"/>
               </a:solidFill>
@@ -4407,14 +4433,14 @@
           </a:p>
           <a:p>
             <a:r>
-              <a:rPr lang="ja-JP" altLang="en-US" sz="2800" dirty="0" smtClean="0">
+              <a:rPr lang="ja-JP" altLang="en-US" sz="3200" dirty="0">
                 <a:solidFill>
                   <a:schemeClr val="bg1"/>
                 </a:solidFill>
               </a:rPr>
-              <a:t>作った感想など</a:t>
-            </a:r>
-            <a:endParaRPr kumimoji="1" lang="ja-JP" altLang="en-US" sz="2800" dirty="0">
+              <a:t>まとめ</a:t>
+            </a:r>
+            <a:endParaRPr lang="en-US" altLang="ja-JP" sz="3200" dirty="0">
               <a:solidFill>
                 <a:schemeClr val="bg1"/>
               </a:solidFill>
@@ -4482,62 +4508,17 @@
                 <a:solidFill>
                   <a:schemeClr val="bg1"/>
                 </a:solidFill>
+                <a:latin typeface="ＭＳ ゴシック" panose="020B0609070205080204" pitchFamily="49" charset="-128"/>
+                <a:ea typeface="ＭＳ ゴシック" panose="020B0609070205080204" pitchFamily="49" charset="-128"/>
               </a:rPr>
-              <a:t>このゲームを作ろうと思った理由</a:t>
+              <a:t>コンセプト</a:t>
             </a:r>
             <a:endParaRPr kumimoji="1" lang="ja-JP" altLang="en-US" dirty="0">
               <a:solidFill>
                 <a:schemeClr val="bg1"/>
               </a:solidFill>
-            </a:endParaRPr>
-          </a:p>
-        </p:txBody>
-      </p:sp>
-      <p:sp>
-        <p:nvSpPr>
-          <p:cNvPr id="3" name="コンテンツ プレースホルダー 2"/>
-          <p:cNvSpPr>
-            <a:spLocks noGrp="1"/>
-          </p:cNvSpPr>
-          <p:nvPr>
-            <p:ph idx="1"/>
-          </p:nvPr>
-        </p:nvSpPr>
-        <p:spPr>
-          <a:xfrm>
-            <a:off x="1220268" y="2695900"/>
-            <a:ext cx="9123267" cy="3416300"/>
-          </a:xfrm>
-        </p:spPr>
-        <p:txBody>
-          <a:bodyPr>
-            <a:normAutofit/>
-          </a:bodyPr>
-          <a:lstStyle/>
-          <a:p>
-            <a:pPr marL="0" indent="0">
-              <a:buNone/>
-            </a:pPr>
-            <a:r>
-              <a:rPr kumimoji="1" lang="en-US" altLang="ja-JP" sz="2400" dirty="0" smtClean="0">
-                <a:solidFill>
-                  <a:schemeClr val="bg1"/>
-                </a:solidFill>
-              </a:rPr>
-              <a:t>2D</a:t>
-            </a:r>
-            <a:r>
-              <a:rPr kumimoji="1" lang="ja-JP" altLang="en-US" sz="2400" dirty="0" smtClean="0">
-                <a:solidFill>
-                  <a:schemeClr val="bg1"/>
-                </a:solidFill>
-              </a:rPr>
-              <a:t>のゲームだとアクションゲームが好きだから、作ろうと思った</a:t>
-            </a:r>
-            <a:endParaRPr kumimoji="1" lang="ja-JP" altLang="en-US" sz="2400" dirty="0">
-              <a:solidFill>
-                <a:schemeClr val="bg1"/>
-              </a:solidFill>
+              <a:latin typeface="ＭＳ ゴシック" panose="020B0609070205080204" pitchFamily="49" charset="-128"/>
+              <a:ea typeface="ＭＳ ゴシック" panose="020B0609070205080204" pitchFamily="49" charset="-128"/>
             </a:endParaRPr>
           </a:p>
         </p:txBody>
@@ -4550,8 +4531,8 @@
         </p:nvSpPr>
         <p:spPr>
           <a:xfrm>
-            <a:off x="1154954" y="4404050"/>
-            <a:ext cx="9345898" cy="830997"/>
+            <a:off x="953214" y="1680395"/>
+            <a:ext cx="9655792" cy="1077218"/>
           </a:xfrm>
           <a:prstGeom prst="rect">
             <a:avLst/>
@@ -4565,46 +4546,53 @@
           <a:lstStyle/>
           <a:p>
             <a:r>
-              <a:rPr kumimoji="1" lang="ja-JP" altLang="en-US" sz="2400" dirty="0" smtClean="0">
+              <a:rPr lang="ja-JP" altLang="en-US" sz="3200" dirty="0">
                 <a:solidFill>
                   <a:schemeClr val="bg1"/>
                 </a:solidFill>
               </a:rPr>
-              <a:t>複雑な</a:t>
-            </a:r>
-            <a:r>
-              <a:rPr kumimoji="1" lang="ja-JP" altLang="en-US" sz="2400" dirty="0" smtClean="0">
+              <a:t>よく</a:t>
+            </a:r>
+            <a:r>
+              <a:rPr lang="ja-JP" altLang="en-US" sz="3200" dirty="0" smtClean="0">
                 <a:solidFill>
                   <a:schemeClr val="bg1"/>
                 </a:solidFill>
               </a:rPr>
-              <a:t>仕組み</a:t>
-            </a:r>
-            <a:r>
-              <a:rPr lang="ja-JP" altLang="en-US" sz="2400" dirty="0">
+              <a:t>ある２</a:t>
+            </a:r>
+            <a:r>
+              <a:rPr lang="en-US" altLang="ja-JP" sz="3200" dirty="0" smtClean="0">
                 <a:solidFill>
                   <a:schemeClr val="bg1"/>
                 </a:solidFill>
               </a:rPr>
-              <a:t>に</a:t>
-            </a:r>
-            <a:r>
-              <a:rPr kumimoji="1" lang="ja-JP" altLang="en-US" sz="2400" dirty="0" smtClean="0">
+              <a:t>D</a:t>
+            </a:r>
+            <a:r>
+              <a:rPr lang="ja-JP" altLang="en-US" sz="3200" dirty="0" smtClean="0">
                 <a:solidFill>
                   <a:schemeClr val="bg1"/>
                 </a:solidFill>
               </a:rPr>
-              <a:t>しよう</a:t>
-            </a:r>
-            <a:r>
-              <a:rPr kumimoji="1" lang="ja-JP" altLang="en-US" sz="2400" dirty="0" smtClean="0">
+              <a:t>アクションゲームのようにすることで</a:t>
+            </a:r>
+            <a:endParaRPr lang="en-US" altLang="ja-JP" sz="3200" dirty="0" smtClean="0">
+              <a:solidFill>
+                <a:schemeClr val="bg1"/>
+              </a:solidFill>
+            </a:endParaRPr>
+          </a:p>
+          <a:p>
+            <a:r>
+              <a:rPr lang="ja-JP" altLang="en-US" sz="3200" dirty="0" smtClean="0">
                 <a:solidFill>
                   <a:schemeClr val="bg1"/>
                 </a:solidFill>
               </a:rPr>
-              <a:t>とすると時間がかかってしまうと考えたのでなるべくシンプルなゲーム性を目指した</a:t>
-            </a:r>
-            <a:endParaRPr kumimoji="1" lang="ja-JP" altLang="en-US" sz="2400" dirty="0">
+              <a:t>やりやすさを感じてもらえるようにしました</a:t>
+            </a:r>
+            <a:endParaRPr kumimoji="1" lang="ja-JP" altLang="en-US" sz="3200" dirty="0">
               <a:solidFill>
                 <a:schemeClr val="bg1"/>
               </a:solidFill>
@@ -4672,6 +4660,8 @@
                 <a:solidFill>
                   <a:schemeClr val="bg1"/>
                 </a:solidFill>
+                <a:latin typeface="ＭＳ ゴシック" panose="020B0609070205080204" pitchFamily="49" charset="-128"/>
+                <a:ea typeface="ＭＳ ゴシック" panose="020B0609070205080204" pitchFamily="49" charset="-128"/>
               </a:rPr>
               <a:t>ゲーム概要</a:t>
             </a:r>
@@ -4679,6 +4669,8 @@
               <a:solidFill>
                 <a:schemeClr val="bg1"/>
               </a:solidFill>
+              <a:latin typeface="ＭＳ ゴシック" panose="020B0609070205080204" pitchFamily="49" charset="-128"/>
+              <a:ea typeface="ＭＳ ゴシック" panose="020B0609070205080204" pitchFamily="49" charset="-128"/>
             </a:endParaRPr>
           </a:p>
         </p:txBody>
@@ -4775,6 +4767,13 @@
   <p:transition spd="slow">
     <p:push dir="u"/>
   </p:transition>
+  <p:timing>
+    <p:tnLst>
+      <p:par>
+        <p:cTn id="1" dur="indefinite" restart="never" nodeType="tmRoot"/>
+      </p:par>
+    </p:tnLst>
+  </p:timing>
 </p:sld>
 </file>
 
@@ -4815,6 +4814,8 @@
                 <a:solidFill>
                   <a:schemeClr val="bg1"/>
                 </a:solidFill>
+                <a:latin typeface="ＭＳ ゴシック" panose="020B0609070205080204" pitchFamily="49" charset="-128"/>
+                <a:ea typeface="ＭＳ ゴシック" panose="020B0609070205080204" pitchFamily="49" charset="-128"/>
               </a:rPr>
               <a:t>操作方法</a:t>
             </a:r>
@@ -4822,6 +4823,8 @@
               <a:solidFill>
                 <a:schemeClr val="bg1"/>
               </a:solidFill>
+              <a:latin typeface="ＭＳ ゴシック" panose="020B0609070205080204" pitchFamily="49" charset="-128"/>
+              <a:ea typeface="ＭＳ ゴシック" panose="020B0609070205080204" pitchFamily="49" charset="-128"/>
             </a:endParaRPr>
           </a:p>
         </p:txBody>
@@ -5103,6 +5106,13 @@
   <p:transition spd="slow">
     <p:push dir="u"/>
   </p:transition>
+  <p:timing>
+    <p:tnLst>
+      <p:par>
+        <p:cTn id="1" dur="indefinite" restart="never" nodeType="tmRoot"/>
+      </p:par>
+    </p:tnLst>
+  </p:timing>
 </p:sld>
 </file>
 
@@ -5135,26 +5145,52 @@
         </p:nvSpPr>
         <p:spPr>
           <a:xfrm>
-            <a:off x="1154954" y="973668"/>
-            <a:ext cx="9188581" cy="706964"/>
+            <a:off x="838200" y="580377"/>
+            <a:ext cx="10515600" cy="706964"/>
           </a:xfrm>
         </p:spPr>
         <p:txBody>
-          <a:bodyPr/>
-          <a:lstStyle/>
-          <a:p>
-            <a:r>
-              <a:rPr kumimoji="1" lang="ja-JP" altLang="en-US" sz="3200" dirty="0" smtClean="0">
+          <a:bodyPr>
+            <a:noAutofit/>
+          </a:bodyPr>
+          <a:lstStyle/>
+          <a:p>
+            <a:r>
+              <a:rPr kumimoji="1" lang="ja-JP" altLang="en-US" sz="3600" dirty="0" smtClean="0">
                 <a:solidFill>
                   <a:schemeClr val="bg1"/>
                 </a:solidFill>
+                <a:latin typeface="ＭＳ ゴシック" panose="020B0609070205080204" pitchFamily="49" charset="-128"/>
+                <a:ea typeface="ＭＳ ゴシック" panose="020B0609070205080204" pitchFamily="49" charset="-128"/>
               </a:rPr>
-              <a:t>このゲームのおすすめポイント、工夫したところ</a:t>
-            </a:r>
-            <a:endParaRPr kumimoji="1" lang="ja-JP" altLang="en-US" sz="3200" dirty="0">
+              <a:t>この</a:t>
+            </a:r>
+            <a:r>
+              <a:rPr kumimoji="1" lang="ja-JP" altLang="en-US" sz="4000" dirty="0" smtClean="0">
+                <a:solidFill>
+                  <a:schemeClr val="bg1"/>
+                </a:solidFill>
+                <a:latin typeface="ＭＳ ゴシック" panose="020B0609070205080204" pitchFamily="49" charset="-128"/>
+                <a:ea typeface="ＭＳ ゴシック" panose="020B0609070205080204" pitchFamily="49" charset="-128"/>
+              </a:rPr>
+              <a:t>ゲーム</a:t>
+            </a:r>
+            <a:r>
+              <a:rPr kumimoji="1" lang="ja-JP" altLang="en-US" sz="3600" dirty="0" smtClean="0">
+                <a:solidFill>
+                  <a:schemeClr val="bg1"/>
+                </a:solidFill>
+                <a:latin typeface="ＭＳ ゴシック" panose="020B0609070205080204" pitchFamily="49" charset="-128"/>
+                <a:ea typeface="ＭＳ ゴシック" panose="020B0609070205080204" pitchFamily="49" charset="-128"/>
+              </a:rPr>
+              <a:t>のおすすめポイント、工夫したところ</a:t>
+            </a:r>
+            <a:endParaRPr kumimoji="1" lang="ja-JP" altLang="en-US" sz="3600" dirty="0">
               <a:solidFill>
                 <a:schemeClr val="bg1"/>
               </a:solidFill>
+              <a:latin typeface="ＭＳ ゴシック" panose="020B0609070205080204" pitchFamily="49" charset="-128"/>
+              <a:ea typeface="ＭＳ ゴシック" panose="020B0609070205080204" pitchFamily="49" charset="-128"/>
             </a:endParaRPr>
           </a:p>
         </p:txBody>
@@ -5194,6 +5230,13 @@
   <p:transition spd="slow">
     <p:push dir="u"/>
   </p:transition>
+  <p:timing>
+    <p:tnLst>
+      <p:par>
+        <p:cTn id="1" dur="indefinite" restart="never" nodeType="tmRoot"/>
+      </p:par>
+    </p:tnLst>
+  </p:timing>
 </p:sld>
 </file>
 
@@ -5234,13 +5277,17 @@
                 <a:solidFill>
                   <a:schemeClr val="bg1"/>
                 </a:solidFill>
+                <a:latin typeface="ＭＳ ゴシック" panose="020B0609070205080204" pitchFamily="49" charset="-128"/>
+                <a:ea typeface="ＭＳ ゴシック" panose="020B0609070205080204" pitchFamily="49" charset="-128"/>
               </a:rPr>
-              <a:t>作った感想</a:t>
+              <a:t>まとめ</a:t>
             </a:r>
             <a:endParaRPr kumimoji="1" lang="ja-JP" altLang="en-US" dirty="0">
               <a:solidFill>
                 <a:schemeClr val="bg1"/>
               </a:solidFill>
+              <a:latin typeface="ＭＳ ゴシック" panose="020B0609070205080204" pitchFamily="49" charset="-128"/>
+              <a:ea typeface="ＭＳ ゴシック" panose="020B0609070205080204" pitchFamily="49" charset="-128"/>
             </a:endParaRPr>
           </a:p>
         </p:txBody>
@@ -5277,6 +5324,13 @@
   <p:transition spd="slow">
     <p:push dir="u"/>
   </p:transition>
+  <p:timing>
+    <p:tnLst>
+      <p:par>
+        <p:cTn id="1" dur="indefinite" restart="never" nodeType="tmRoot"/>
+      </p:par>
+    </p:tnLst>
+  </p:timing>
 </p:sld>
 </file>
 

--- a/個人製作　発表.pptx
+++ b/個人製作　発表.pptx
@@ -5,7 +5,7 @@
     <p:sldMasterId id="2147483678" r:id="rId1"/>
   </p:sldMasterIdLst>
   <p:notesMasterIdLst>
-    <p:notesMasterId r:id="rId9"/>
+    <p:notesMasterId r:id="rId10"/>
   </p:notesMasterIdLst>
   <p:sldIdLst>
     <p:sldId id="256" r:id="rId2"/>
@@ -13,8 +13,9 @@
     <p:sldId id="258" r:id="rId4"/>
     <p:sldId id="262" r:id="rId5"/>
     <p:sldId id="259" r:id="rId6"/>
-    <p:sldId id="260" r:id="rId7"/>
-    <p:sldId id="261" r:id="rId8"/>
+    <p:sldId id="263" r:id="rId7"/>
+    <p:sldId id="260" r:id="rId8"/>
+    <p:sldId id="261" r:id="rId9"/>
   </p:sldIdLst>
   <p:sldSz cx="12192000" cy="6858000"/>
   <p:notesSz cx="6858000" cy="9144000"/>
@@ -215,7 +216,7 @@
           <a:p>
             <a:fld id="{353C3AC4-F921-4A3E-A828-E7DEEC49BC52}" type="datetimeFigureOut">
               <a:rPr kumimoji="1" lang="ja-JP" altLang="en-US" smtClean="0"/>
-              <a:t>2022/12/12</a:t>
+              <a:t>2022/12/21</a:t>
             </a:fld>
             <a:endParaRPr kumimoji="1" lang="ja-JP" altLang="en-US"/>
           </a:p>
@@ -646,26 +647,6 @@
           <a:bodyPr/>
           <a:lstStyle/>
           <a:p>
-            <a:r>
-              <a:rPr kumimoji="1" lang="ja-JP" altLang="en-US" dirty="0" smtClean="0"/>
-              <a:t>私は様々なジャンルがある</a:t>
-            </a:r>
-            <a:r>
-              <a:rPr kumimoji="1" lang="en-US" altLang="ja-JP" dirty="0" smtClean="0"/>
-              <a:t>2D</a:t>
-            </a:r>
-            <a:r>
-              <a:rPr kumimoji="1" lang="ja-JP" altLang="en-US" dirty="0" smtClean="0"/>
-              <a:t>ゲームの中だとアクションゲームが好きです。どんなゲームを作ろうか考えた時に、今までしてきた２</a:t>
-            </a:r>
-            <a:r>
-              <a:rPr kumimoji="1" lang="en-US" altLang="ja-JP" dirty="0" smtClean="0"/>
-              <a:t>D</a:t>
-            </a:r>
-            <a:r>
-              <a:rPr kumimoji="1" lang="ja-JP" altLang="en-US" dirty="0" smtClean="0"/>
-              <a:t>ゲームのブロック崩しや、パズルゲームなども思い浮かびましたが、自分がプレイしてみて一番楽しかったと感じたアクションゲームを作ってみたかったので挑戦しました。どのようなゲーム性にするかを考えた時に、複雑な仕組みや勉強していないことを使おうとすると、初めて一人で作ろうとしたので、できているのかわからなかったり、調べるのに時間がかかって完成するかどうか怪しかったので、今回は習ったことを覚えているかの確認も兼ねたゲームにしようとしました。</a:t>
-            </a:r>
             <a:endParaRPr kumimoji="1" lang="ja-JP" altLang="en-US" dirty="0"/>
           </a:p>
         </p:txBody>
@@ -687,7 +668,7 @@
           <a:p>
             <a:fld id="{10D274BF-3F96-453E-A030-310F5CC0DCB4}" type="slidenum">
               <a:rPr kumimoji="1" lang="ja-JP" altLang="en-US" smtClean="0"/>
-              <a:t>3</a:t>
+              <a:t>2</a:t>
             </a:fld>
             <a:endParaRPr kumimoji="1" lang="ja-JP" altLang="en-US"/>
           </a:p>
@@ -696,7 +677,7 @@
     </p:spTree>
     <p:extLst>
       <p:ext uri="{BB962C8B-B14F-4D97-AF65-F5344CB8AC3E}">
-        <p14:creationId xmlns:p14="http://schemas.microsoft.com/office/powerpoint/2010/main" val="2271923220"/>
+        <p14:creationId xmlns:p14="http://schemas.microsoft.com/office/powerpoint/2010/main" val="2433828896"/>
       </p:ext>
     </p:extLst>
   </p:cSld>
@@ -750,10 +731,6 @@
           <a:bodyPr/>
           <a:lstStyle/>
           <a:p>
-            <a:r>
-              <a:rPr kumimoji="1" lang="ja-JP" altLang="en-US" dirty="0" smtClean="0"/>
-              <a:t>このゲームの目指すゴールはボスを探して倒すことです。プレイヤーは広いマップのどこにボスがいるのかわからないので、敵が多く出てくるマップを探索しながらボスを倒すことが目的です。本当ならボスがマップのランダムな場所にわくようにしたかったですが、できなかったことが残念です。</a:t>
-            </a:r>
             <a:endParaRPr kumimoji="1" lang="ja-JP" altLang="en-US" dirty="0"/>
           </a:p>
         </p:txBody>
@@ -775,7 +752,7 @@
           <a:p>
             <a:fld id="{10D274BF-3F96-453E-A030-310F5CC0DCB4}" type="slidenum">
               <a:rPr kumimoji="1" lang="ja-JP" altLang="en-US" smtClean="0"/>
-              <a:t>4</a:t>
+              <a:t>3</a:t>
             </a:fld>
             <a:endParaRPr kumimoji="1" lang="ja-JP" altLang="en-US"/>
           </a:p>
@@ -784,7 +761,7 @@
     </p:spTree>
     <p:extLst>
       <p:ext uri="{BB962C8B-B14F-4D97-AF65-F5344CB8AC3E}">
-        <p14:creationId xmlns:p14="http://schemas.microsoft.com/office/powerpoint/2010/main" val="2371680482"/>
+        <p14:creationId xmlns:p14="http://schemas.microsoft.com/office/powerpoint/2010/main" val="2271923220"/>
       </p:ext>
     </p:extLst>
   </p:cSld>
@@ -838,26 +815,90 @@
           <a:bodyPr/>
           <a:lstStyle/>
           <a:p>
-            <a:r>
-              <a:rPr kumimoji="1" lang="ja-JP" altLang="en-US" dirty="0" smtClean="0"/>
-              <a:t>操作方法は大体の</a:t>
-            </a:r>
-            <a:r>
-              <a:rPr kumimoji="1" lang="en-US" altLang="ja-JP" dirty="0" smtClean="0"/>
-              <a:t>PC</a:t>
-            </a:r>
-            <a:r>
-              <a:rPr kumimoji="1" lang="ja-JP" altLang="en-US" dirty="0" smtClean="0"/>
-              <a:t>ゲームと同じ</a:t>
-            </a:r>
-            <a:r>
-              <a:rPr kumimoji="1" lang="en-US" altLang="ja-JP" dirty="0" smtClean="0"/>
-              <a:t>AD</a:t>
-            </a:r>
-            <a:r>
-              <a:rPr kumimoji="1" lang="ja-JP" altLang="en-US" dirty="0" smtClean="0"/>
-              <a:t>キーで横移動、スペースキーでジャンプ、左クリックで攻撃を行います。</a:t>
-            </a:r>
+            <a:endParaRPr kumimoji="1" lang="ja-JP" altLang="en-US" dirty="0"/>
+          </a:p>
+        </p:txBody>
+      </p:sp>
+      <p:sp>
+        <p:nvSpPr>
+          <p:cNvPr id="4" name="スライド番号プレースホルダー 3"/>
+          <p:cNvSpPr>
+            <a:spLocks noGrp="1"/>
+          </p:cNvSpPr>
+          <p:nvPr>
+            <p:ph type="sldNum" sz="quarter" idx="10"/>
+          </p:nvPr>
+        </p:nvSpPr>
+        <p:spPr/>
+        <p:txBody>
+          <a:bodyPr/>
+          <a:lstStyle/>
+          <a:p>
+            <a:fld id="{10D274BF-3F96-453E-A030-310F5CC0DCB4}" type="slidenum">
+              <a:rPr kumimoji="1" lang="ja-JP" altLang="en-US" smtClean="0"/>
+              <a:t>4</a:t>
+            </a:fld>
+            <a:endParaRPr kumimoji="1" lang="ja-JP" altLang="en-US"/>
+          </a:p>
+        </p:txBody>
+      </p:sp>
+    </p:spTree>
+    <p:extLst>
+      <p:ext uri="{BB962C8B-B14F-4D97-AF65-F5344CB8AC3E}">
+        <p14:creationId xmlns:p14="http://schemas.microsoft.com/office/powerpoint/2010/main" val="2371680482"/>
+      </p:ext>
+    </p:extLst>
+  </p:cSld>
+  <p:clrMapOvr>
+    <a:masterClrMapping/>
+  </p:clrMapOvr>
+</p:notes>
+</file>
+
+<file path=ppt/notesSlides/notesSlide5.xml><?xml version="1.0" encoding="utf-8"?>
+<p:notes xmlns:a="http://schemas.openxmlformats.org/drawingml/2006/main" xmlns:r="http://schemas.openxmlformats.org/officeDocument/2006/relationships" xmlns:p="http://schemas.openxmlformats.org/presentationml/2006/main">
+  <p:cSld>
+    <p:spTree>
+      <p:nvGrpSpPr>
+        <p:cNvPr id="1" name=""/>
+        <p:cNvGrpSpPr/>
+        <p:nvPr/>
+      </p:nvGrpSpPr>
+      <p:grpSpPr>
+        <a:xfrm>
+          <a:off x="0" y="0"/>
+          <a:ext cx="0" cy="0"/>
+          <a:chOff x="0" y="0"/>
+          <a:chExt cx="0" cy="0"/>
+        </a:xfrm>
+      </p:grpSpPr>
+      <p:sp>
+        <p:nvSpPr>
+          <p:cNvPr id="2" name="スライド イメージ プレースホルダー 1"/>
+          <p:cNvSpPr>
+            <a:spLocks noGrp="1" noRot="1" noChangeAspect="1"/>
+          </p:cNvSpPr>
+          <p:nvPr>
+            <p:ph type="sldImg"/>
+          </p:nvPr>
+        </p:nvSpPr>
+        <p:spPr/>
+      </p:sp>
+      <p:sp>
+        <p:nvSpPr>
+          <p:cNvPr id="3" name="ノート プレースホルダー 2"/>
+          <p:cNvSpPr>
+            <a:spLocks noGrp="1"/>
+          </p:cNvSpPr>
+          <p:nvPr>
+            <p:ph type="body" idx="1"/>
+          </p:nvPr>
+        </p:nvSpPr>
+        <p:spPr/>
+        <p:txBody>
+          <a:bodyPr/>
+          <a:lstStyle/>
+          <a:p>
             <a:endParaRPr kumimoji="1" lang="ja-JP" altLang="en-US" dirty="0"/>
           </a:p>
         </p:txBody>
@@ -1029,7 +1070,7 @@
           <a:p>
             <a:fld id="{D0710A03-B577-428C-B298-5EECF529A329}" type="datetimeFigureOut">
               <a:rPr kumimoji="1" lang="ja-JP" altLang="en-US" smtClean="0"/>
-              <a:t>2022/12/12</a:t>
+              <a:t>2022/12/21</a:t>
             </a:fld>
             <a:endParaRPr kumimoji="1" lang="ja-JP" altLang="en-US"/>
           </a:p>
@@ -1234,7 +1275,7 @@
           <a:p>
             <a:fld id="{D0710A03-B577-428C-B298-5EECF529A329}" type="datetimeFigureOut">
               <a:rPr kumimoji="1" lang="ja-JP" altLang="en-US" smtClean="0"/>
-              <a:t>2022/12/12</a:t>
+              <a:t>2022/12/21</a:t>
             </a:fld>
             <a:endParaRPr kumimoji="1" lang="ja-JP" altLang="en-US"/>
           </a:p>
@@ -1449,7 +1490,7 @@
           <a:p>
             <a:fld id="{D0710A03-B577-428C-B298-5EECF529A329}" type="datetimeFigureOut">
               <a:rPr kumimoji="1" lang="ja-JP" altLang="en-US" smtClean="0"/>
-              <a:t>2022/12/12</a:t>
+              <a:t>2022/12/21</a:t>
             </a:fld>
             <a:endParaRPr kumimoji="1" lang="ja-JP" altLang="en-US"/>
           </a:p>
@@ -1654,7 +1695,7 @@
           <a:p>
             <a:fld id="{D0710A03-B577-428C-B298-5EECF529A329}" type="datetimeFigureOut">
               <a:rPr kumimoji="1" lang="ja-JP" altLang="en-US" smtClean="0"/>
-              <a:t>2022/12/12</a:t>
+              <a:t>2022/12/21</a:t>
             </a:fld>
             <a:endParaRPr kumimoji="1" lang="ja-JP" altLang="en-US"/>
           </a:p>
@@ -1903,7 +1944,7 @@
           <a:p>
             <a:fld id="{D0710A03-B577-428C-B298-5EECF529A329}" type="datetimeFigureOut">
               <a:rPr kumimoji="1" lang="ja-JP" altLang="en-US" smtClean="0"/>
-              <a:t>2022/12/12</a:t>
+              <a:t>2022/12/21</a:t>
             </a:fld>
             <a:endParaRPr kumimoji="1" lang="ja-JP" altLang="en-US"/>
           </a:p>
@@ -2202,7 +2243,7 @@
           <a:p>
             <a:fld id="{D0710A03-B577-428C-B298-5EECF529A329}" type="datetimeFigureOut">
               <a:rPr kumimoji="1" lang="ja-JP" altLang="en-US" smtClean="0"/>
-              <a:t>2022/12/12</a:t>
+              <a:t>2022/12/21</a:t>
             </a:fld>
             <a:endParaRPr kumimoji="1" lang="ja-JP" altLang="en-US"/>
           </a:p>
@@ -2636,7 +2677,7 @@
           <a:p>
             <a:fld id="{D0710A03-B577-428C-B298-5EECF529A329}" type="datetimeFigureOut">
               <a:rPr kumimoji="1" lang="ja-JP" altLang="en-US" smtClean="0"/>
-              <a:t>2022/12/12</a:t>
+              <a:t>2022/12/21</a:t>
             </a:fld>
             <a:endParaRPr kumimoji="1" lang="ja-JP" altLang="en-US"/>
           </a:p>
@@ -2757,7 +2798,7 @@
           <a:p>
             <a:fld id="{D0710A03-B577-428C-B298-5EECF529A329}" type="datetimeFigureOut">
               <a:rPr kumimoji="1" lang="ja-JP" altLang="en-US" smtClean="0"/>
-              <a:t>2022/12/12</a:t>
+              <a:t>2022/12/21</a:t>
             </a:fld>
             <a:endParaRPr kumimoji="1" lang="ja-JP" altLang="en-US"/>
           </a:p>
@@ -2855,7 +2896,7 @@
           <a:p>
             <a:fld id="{D0710A03-B577-428C-B298-5EECF529A329}" type="datetimeFigureOut">
               <a:rPr kumimoji="1" lang="ja-JP" altLang="en-US" smtClean="0"/>
-              <a:t>2022/12/12</a:t>
+              <a:t>2022/12/21</a:t>
             </a:fld>
             <a:endParaRPr kumimoji="1" lang="ja-JP" altLang="en-US"/>
           </a:p>
@@ -3167,7 +3208,7 @@
           <a:p>
             <a:fld id="{D0710A03-B577-428C-B298-5EECF529A329}" type="datetimeFigureOut">
               <a:rPr kumimoji="1" lang="ja-JP" altLang="en-US" smtClean="0"/>
-              <a:t>2022/12/12</a:t>
+              <a:t>2022/12/21</a:t>
             </a:fld>
             <a:endParaRPr kumimoji="1" lang="ja-JP" altLang="en-US"/>
           </a:p>
@@ -3423,7 +3464,7 @@
           <a:p>
             <a:fld id="{D0710A03-B577-428C-B298-5EECF529A329}" type="datetimeFigureOut">
               <a:rPr kumimoji="1" lang="ja-JP" altLang="en-US" smtClean="0"/>
-              <a:t>2022/12/12</a:t>
+              <a:t>2022/12/21</a:t>
             </a:fld>
             <a:endParaRPr kumimoji="1" lang="ja-JP" altLang="en-US"/>
           </a:p>
@@ -3680,7 +3721,7 @@
           <a:p>
             <a:fld id="{D0710A03-B577-428C-B298-5EECF529A329}" type="datetimeFigureOut">
               <a:rPr kumimoji="1" lang="ja-JP" altLang="en-US" smtClean="0"/>
-              <a:t>2022/12/12</a:t>
+              <a:t>2022/12/21</a:t>
             </a:fld>
             <a:endParaRPr kumimoji="1" lang="ja-JP" altLang="en-US"/>
           </a:p>
@@ -4155,8 +4196,8 @@
                 <a:solidFill>
                   <a:schemeClr val="bg1"/>
                 </a:solidFill>
-                <a:latin typeface="+mn-ea"/>
-                <a:ea typeface="+mn-ea"/>
+                <a:latin typeface="ＭＳ ゴシック" panose="020B0609070205080204" pitchFamily="49" charset="-128"/>
+                <a:ea typeface="ＭＳ ゴシック" panose="020B0609070205080204" pitchFamily="49" charset="-128"/>
               </a:rPr>
               <a:t>タイトル</a:t>
             </a:r>
@@ -4168,17 +4209,7 @@
                 <a:latin typeface="+mn-ea"/>
                 <a:ea typeface="+mn-ea"/>
               </a:rPr>
-              <a:t>「</a:t>
-            </a:r>
-            <a:r>
-              <a:rPr lang="ja-JP" altLang="en-US" sz="6600" dirty="0" smtClean="0">
-                <a:solidFill>
-                  <a:schemeClr val="bg1"/>
-                </a:solidFill>
-                <a:latin typeface="+mn-ea"/>
-                <a:ea typeface="+mn-ea"/>
-              </a:rPr>
-              <a:t>」</a:t>
+              <a:t>「」</a:t>
             </a:r>
             <a:endParaRPr kumimoji="1" lang="ja-JP" altLang="en-US" sz="6600" dirty="0">
               <a:solidFill>
@@ -4217,6 +4248,8 @@
                 <a:solidFill>
                   <a:schemeClr val="bg1"/>
                 </a:solidFill>
+                <a:latin typeface="ＭＳ ゴシック" panose="020B0609070205080204" pitchFamily="49" charset="-128"/>
+                <a:ea typeface="ＭＳ ゴシック" panose="020B0609070205080204" pitchFamily="49" charset="-128"/>
               </a:rPr>
               <a:t>　富川　廉</a:t>
             </a:r>
@@ -4224,6 +4257,8 @@
               <a:solidFill>
                 <a:schemeClr val="bg1"/>
               </a:solidFill>
+              <a:latin typeface="ＭＳ ゴシック" panose="020B0609070205080204" pitchFamily="49" charset="-128"/>
+              <a:ea typeface="ＭＳ ゴシック" panose="020B0609070205080204" pitchFamily="49" charset="-128"/>
             </a:endParaRPr>
           </a:p>
         </p:txBody>
@@ -4324,7 +4359,7 @@
         </p:nvSpPr>
         <p:spPr>
           <a:xfrm>
-            <a:off x="944965" y="1690688"/>
+            <a:off x="925300" y="1464546"/>
             <a:ext cx="9477229" cy="3416300"/>
           </a:xfrm>
         </p:spPr>
@@ -4339,6 +4374,8 @@
                 <a:solidFill>
                   <a:schemeClr val="bg1"/>
                 </a:solidFill>
+                <a:latin typeface="ＭＳ ゴシック" panose="020B0609070205080204" pitchFamily="49" charset="-128"/>
+                <a:ea typeface="ＭＳ ゴシック" panose="020B0609070205080204" pitchFamily="49" charset="-128"/>
               </a:rPr>
               <a:t>コンセプト</a:t>
             </a:r>
@@ -4346,6 +4383,8 @@
               <a:solidFill>
                 <a:schemeClr val="bg1"/>
               </a:solidFill>
+              <a:latin typeface="ＭＳ ゴシック" panose="020B0609070205080204" pitchFamily="49" charset="-128"/>
+              <a:ea typeface="ＭＳ ゴシック" panose="020B0609070205080204" pitchFamily="49" charset="-128"/>
             </a:endParaRPr>
           </a:p>
           <a:p>
@@ -4353,6 +4392,8 @@
               <a:solidFill>
                 <a:schemeClr val="bg1"/>
               </a:solidFill>
+              <a:latin typeface="ＭＳ ゴシック" panose="020B0609070205080204" pitchFamily="49" charset="-128"/>
+              <a:ea typeface="ＭＳ ゴシック" panose="020B0609070205080204" pitchFamily="49" charset="-128"/>
             </a:endParaRPr>
           </a:p>
           <a:p>
@@ -4361,6 +4402,8 @@
                 <a:solidFill>
                   <a:schemeClr val="bg1"/>
                 </a:solidFill>
+                <a:latin typeface="ＭＳ ゴシック" panose="020B0609070205080204" pitchFamily="49" charset="-128"/>
+                <a:ea typeface="ＭＳ ゴシック" panose="020B0609070205080204" pitchFamily="49" charset="-128"/>
               </a:rPr>
               <a:t>ゲーム</a:t>
             </a:r>
@@ -4369,6 +4412,8 @@
                 <a:solidFill>
                   <a:schemeClr val="bg1"/>
                 </a:solidFill>
+                <a:latin typeface="ＭＳ ゴシック" panose="020B0609070205080204" pitchFamily="49" charset="-128"/>
+                <a:ea typeface="ＭＳ ゴシック" panose="020B0609070205080204" pitchFamily="49" charset="-128"/>
               </a:rPr>
               <a:t>概要</a:t>
             </a:r>
@@ -4377,6 +4422,8 @@
                 <a:solidFill>
                   <a:schemeClr val="bg1"/>
                 </a:solidFill>
+                <a:latin typeface="ＭＳ ゴシック" panose="020B0609070205080204" pitchFamily="49" charset="-128"/>
+                <a:ea typeface="ＭＳ ゴシック" panose="020B0609070205080204" pitchFamily="49" charset="-128"/>
               </a:rPr>
               <a:t>や</a:t>
             </a:r>
@@ -4385,6 +4432,8 @@
                 <a:solidFill>
                   <a:schemeClr val="bg1"/>
                 </a:solidFill>
+                <a:latin typeface="ＭＳ ゴシック" panose="020B0609070205080204" pitchFamily="49" charset="-128"/>
+                <a:ea typeface="ＭＳ ゴシック" panose="020B0609070205080204" pitchFamily="49" charset="-128"/>
               </a:rPr>
               <a:t>操作方法</a:t>
             </a:r>
@@ -4393,6 +4442,8 @@
                 <a:solidFill>
                   <a:schemeClr val="bg1"/>
                 </a:solidFill>
+                <a:latin typeface="ＭＳ ゴシック" panose="020B0609070205080204" pitchFamily="49" charset="-128"/>
+                <a:ea typeface="ＭＳ ゴシック" panose="020B0609070205080204" pitchFamily="49" charset="-128"/>
               </a:rPr>
               <a:t>など</a:t>
             </a:r>
@@ -4400,13 +4451,48 @@
               <a:solidFill>
                 <a:schemeClr val="bg1"/>
               </a:solidFill>
+              <a:latin typeface="ＭＳ ゴシック" panose="020B0609070205080204" pitchFamily="49" charset="-128"/>
+              <a:ea typeface="ＭＳ ゴシック" panose="020B0609070205080204" pitchFamily="49" charset="-128"/>
             </a:endParaRPr>
           </a:p>
           <a:p>
+            <a:endParaRPr lang="en-US" altLang="ja-JP" sz="3200" dirty="0">
+              <a:solidFill>
+                <a:schemeClr val="bg1"/>
+              </a:solidFill>
+              <a:latin typeface="ＭＳ ゴシック" panose="020B0609070205080204" pitchFamily="49" charset="-128"/>
+              <a:ea typeface="ＭＳ ゴシック" panose="020B0609070205080204" pitchFamily="49" charset="-128"/>
+            </a:endParaRPr>
+          </a:p>
+          <a:p>
+            <a:r>
+              <a:rPr lang="ja-JP" altLang="en-US" sz="3200" dirty="0" smtClean="0">
+                <a:solidFill>
+                  <a:schemeClr val="bg1"/>
+                </a:solidFill>
+                <a:latin typeface="ＭＳ ゴシック" panose="020B0609070205080204" pitchFamily="49" charset="-128"/>
+                <a:ea typeface="ＭＳ ゴシック" panose="020B0609070205080204" pitchFamily="49" charset="-128"/>
+              </a:rPr>
+              <a:t>プレイ映像</a:t>
+            </a:r>
+            <a:endParaRPr lang="en-US" altLang="ja-JP" sz="3200" dirty="0" smtClean="0">
+              <a:solidFill>
+                <a:schemeClr val="bg1"/>
+              </a:solidFill>
+              <a:latin typeface="ＭＳ ゴシック" panose="020B0609070205080204" pitchFamily="49" charset="-128"/>
+              <a:ea typeface="ＭＳ ゴシック" panose="020B0609070205080204" pitchFamily="49" charset="-128"/>
+            </a:endParaRPr>
+          </a:p>
+          <a:p>
+            <a:pPr marL="0" indent="0">
+              <a:buNone/>
+            </a:pPr>
             <a:endParaRPr kumimoji="1" lang="en-US" altLang="ja-JP" sz="3200" dirty="0">
               <a:solidFill>
                 <a:schemeClr val="bg1"/>
               </a:solidFill>
+              <a:latin typeface="ＭＳ ゴシック" panose="020B0609070205080204" pitchFamily="49" charset="-128"/>
+              <a:ea typeface="ＭＳ ゴシック" panose="020B0609070205080204" pitchFamily="49" charset="-128"/>
             </a:endParaRPr>
           </a:p>
           <a:p>
@@ -4415,6 +4501,8 @@
                 <a:solidFill>
                   <a:schemeClr val="bg1"/>
                 </a:solidFill>
+                <a:latin typeface="ＭＳ ゴシック" panose="020B0609070205080204" pitchFamily="49" charset="-128"/>
+                <a:ea typeface="ＭＳ ゴシック" panose="020B0609070205080204" pitchFamily="49" charset="-128"/>
               </a:rPr>
               <a:t>このゲームのおすすめポイント、工夫したところ</a:t>
             </a:r>
@@ -4422,6 +4510,8 @@
               <a:solidFill>
                 <a:schemeClr val="bg1"/>
               </a:solidFill>
+              <a:latin typeface="ＭＳ ゴシック" panose="020B0609070205080204" pitchFamily="49" charset="-128"/>
+              <a:ea typeface="ＭＳ ゴシック" panose="020B0609070205080204" pitchFamily="49" charset="-128"/>
             </a:endParaRPr>
           </a:p>
           <a:p>
@@ -4429,6 +4519,8 @@
               <a:solidFill>
                 <a:schemeClr val="bg1"/>
               </a:solidFill>
+              <a:latin typeface="ＭＳ ゴシック" panose="020B0609070205080204" pitchFamily="49" charset="-128"/>
+              <a:ea typeface="ＭＳ ゴシック" panose="020B0609070205080204" pitchFamily="49" charset="-128"/>
             </a:endParaRPr>
           </a:p>
           <a:p>
@@ -4437,6 +4529,8 @@
                 <a:solidFill>
                   <a:schemeClr val="bg1"/>
                 </a:solidFill>
+                <a:latin typeface="ＭＳ ゴシック" panose="020B0609070205080204" pitchFamily="49" charset="-128"/>
+                <a:ea typeface="ＭＳ ゴシック" panose="020B0609070205080204" pitchFamily="49" charset="-128"/>
               </a:rPr>
               <a:t>まとめ</a:t>
             </a:r>
@@ -4444,6 +4538,8 @@
               <a:solidFill>
                 <a:schemeClr val="bg1"/>
               </a:solidFill>
+              <a:latin typeface="ＭＳ ゴシック" panose="020B0609070205080204" pitchFamily="49" charset="-128"/>
+              <a:ea typeface="ＭＳ ゴシック" panose="020B0609070205080204" pitchFamily="49" charset="-128"/>
             </a:endParaRPr>
           </a:p>
         </p:txBody>
@@ -4531,7 +4627,7 @@
         </p:nvSpPr>
         <p:spPr>
           <a:xfrm>
-            <a:off x="953214" y="1680395"/>
+            <a:off x="953214" y="2388318"/>
             <a:ext cx="9655792" cy="1077218"/>
           </a:xfrm>
           <a:prstGeom prst="rect">
@@ -4550,6 +4646,8 @@
                 <a:solidFill>
                   <a:schemeClr val="bg1"/>
                 </a:solidFill>
+                <a:latin typeface="ＭＳ ゴシック" panose="020B0609070205080204" pitchFamily="49" charset="-128"/>
+                <a:ea typeface="ＭＳ ゴシック" panose="020B0609070205080204" pitchFamily="49" charset="-128"/>
               </a:rPr>
               <a:t>よく</a:t>
             </a:r>
@@ -4558,6 +4656,8 @@
                 <a:solidFill>
                   <a:schemeClr val="bg1"/>
                 </a:solidFill>
+                <a:latin typeface="ＭＳ ゴシック" panose="020B0609070205080204" pitchFamily="49" charset="-128"/>
+                <a:ea typeface="ＭＳ ゴシック" panose="020B0609070205080204" pitchFamily="49" charset="-128"/>
               </a:rPr>
               <a:t>ある２</a:t>
             </a:r>
@@ -4566,14 +4666,18 @@
                 <a:solidFill>
                   <a:schemeClr val="bg1"/>
                 </a:solidFill>
+                <a:latin typeface="ＭＳ ゴシック" panose="020B0609070205080204" pitchFamily="49" charset="-128"/>
+                <a:ea typeface="ＭＳ ゴシック" panose="020B0609070205080204" pitchFamily="49" charset="-128"/>
               </a:rPr>
-              <a:t>D</a:t>
+              <a:t>Ⅾ</a:t>
             </a:r>
             <a:r>
               <a:rPr lang="ja-JP" altLang="en-US" sz="3200" dirty="0" smtClean="0">
                 <a:solidFill>
                   <a:schemeClr val="bg1"/>
                 </a:solidFill>
+                <a:latin typeface="ＭＳ ゴシック" panose="020B0609070205080204" pitchFamily="49" charset="-128"/>
+                <a:ea typeface="ＭＳ ゴシック" panose="020B0609070205080204" pitchFamily="49" charset="-128"/>
               </a:rPr>
               <a:t>アクションゲームのようにすることで</a:t>
             </a:r>
@@ -4581,6 +4685,8 @@
               <a:solidFill>
                 <a:schemeClr val="bg1"/>
               </a:solidFill>
+              <a:latin typeface="ＭＳ ゴシック" panose="020B0609070205080204" pitchFamily="49" charset="-128"/>
+              <a:ea typeface="ＭＳ ゴシック" panose="020B0609070205080204" pitchFamily="49" charset="-128"/>
             </a:endParaRPr>
           </a:p>
           <a:p>
@@ -4589,6 +4695,8 @@
                 <a:solidFill>
                   <a:schemeClr val="bg1"/>
                 </a:solidFill>
+                <a:latin typeface="ＭＳ ゴシック" panose="020B0609070205080204" pitchFamily="49" charset="-128"/>
+                <a:ea typeface="ＭＳ ゴシック" panose="020B0609070205080204" pitchFamily="49" charset="-128"/>
               </a:rPr>
               <a:t>やりやすさを感じてもらえるようにしました</a:t>
             </a:r>
@@ -4596,6 +4704,8 @@
               <a:solidFill>
                 <a:schemeClr val="bg1"/>
               </a:solidFill>
+              <a:latin typeface="ＭＳ ゴシック" panose="020B0609070205080204" pitchFamily="49" charset="-128"/>
+              <a:ea typeface="ＭＳ ゴシック" panose="020B0609070205080204" pitchFamily="49" charset="-128"/>
             </a:endParaRPr>
           </a:p>
         </p:txBody>
@@ -4650,7 +4760,12 @@
             <p:ph type="title"/>
           </p:nvPr>
         </p:nvSpPr>
-        <p:spPr/>
+        <p:spPr>
+          <a:xfrm>
+            <a:off x="1154953" y="315964"/>
+            <a:ext cx="10515600" cy="1325563"/>
+          </a:xfrm>
+        </p:spPr>
         <p:txBody>
           <a:bodyPr/>
           <a:lstStyle/>
@@ -4687,7 +4802,7 @@
         </p:nvSpPr>
         <p:spPr>
           <a:xfrm>
-            <a:off x="1154954" y="2338029"/>
+            <a:off x="711070" y="1764723"/>
             <a:ext cx="1106465" cy="503494"/>
           </a:xfrm>
         </p:spPr>
@@ -4701,17 +4816,21 @@
               <a:buNone/>
             </a:pPr>
             <a:r>
-              <a:rPr kumimoji="1" lang="ja-JP" altLang="en-US" sz="3200" dirty="0" smtClean="0">
+              <a:rPr kumimoji="1" lang="ja-JP" altLang="en-US" sz="3600" dirty="0" smtClean="0">
                 <a:solidFill>
                   <a:schemeClr val="bg1"/>
                 </a:solidFill>
+                <a:latin typeface="ＭＳ ゴシック" panose="020B0609070205080204" pitchFamily="49" charset="-128"/>
+                <a:ea typeface="ＭＳ ゴシック" panose="020B0609070205080204" pitchFamily="49" charset="-128"/>
               </a:rPr>
               <a:t>目的</a:t>
             </a:r>
-            <a:endParaRPr kumimoji="1" lang="ja-JP" altLang="en-US" sz="3200" dirty="0">
+            <a:endParaRPr kumimoji="1" lang="ja-JP" altLang="en-US" sz="3600" dirty="0">
               <a:solidFill>
                 <a:schemeClr val="bg1"/>
               </a:solidFill>
+              <a:latin typeface="ＭＳ ゴシック" panose="020B0609070205080204" pitchFamily="49" charset="-128"/>
+              <a:ea typeface="ＭＳ ゴシック" panose="020B0609070205080204" pitchFamily="49" charset="-128"/>
             </a:endParaRPr>
           </a:p>
         </p:txBody>
@@ -4724,8 +4843,8 @@
         </p:nvSpPr>
         <p:spPr>
           <a:xfrm>
-            <a:off x="1708186" y="2841523"/>
-            <a:ext cx="6145162" cy="461665"/>
+            <a:off x="1614400" y="2571550"/>
+            <a:ext cx="8035583" cy="584775"/>
           </a:xfrm>
           <a:prstGeom prst="rect">
             <a:avLst/>
@@ -4739,17 +4858,134 @@
           <a:lstStyle/>
           <a:p>
             <a:r>
-              <a:rPr kumimoji="1" lang="ja-JP" altLang="en-US" sz="2400" dirty="0" smtClean="0">
+              <a:rPr kumimoji="1" lang="ja-JP" altLang="en-US" sz="3200" dirty="0" smtClean="0">
                 <a:solidFill>
                   <a:schemeClr val="bg1"/>
                 </a:solidFill>
+                <a:latin typeface="ＭＳ ゴシック" panose="020B0609070205080204" pitchFamily="49" charset="-128"/>
+                <a:ea typeface="ＭＳ ゴシック" panose="020B0609070205080204" pitchFamily="49" charset="-128"/>
               </a:rPr>
               <a:t>マップを探索してボスを探して倒すこと</a:t>
             </a:r>
-            <a:endParaRPr kumimoji="1" lang="ja-JP" altLang="en-US" sz="2400" dirty="0">
+            <a:endParaRPr kumimoji="1" lang="ja-JP" altLang="en-US" sz="3200" dirty="0">
               <a:solidFill>
                 <a:schemeClr val="bg1"/>
               </a:solidFill>
+              <a:latin typeface="ＭＳ ゴシック" panose="020B0609070205080204" pitchFamily="49" charset="-128"/>
+              <a:ea typeface="ＭＳ ゴシック" panose="020B0609070205080204" pitchFamily="49" charset="-128"/>
+            </a:endParaRPr>
+          </a:p>
+        </p:txBody>
+      </p:sp>
+      <p:sp>
+        <p:nvSpPr>
+          <p:cNvPr id="3" name="テキスト ボックス 2"/>
+          <p:cNvSpPr txBox="1"/>
+          <p:nvPr/>
+        </p:nvSpPr>
+        <p:spPr>
+          <a:xfrm>
+            <a:off x="589930" y="3952282"/>
+            <a:ext cx="2236510" cy="584775"/>
+          </a:xfrm>
+          <a:prstGeom prst="rect">
+            <a:avLst/>
+          </a:prstGeom>
+          <a:noFill/>
+        </p:spPr>
+        <p:txBody>
+          <a:bodyPr wrap="none" rtlCol="0">
+            <a:spAutoFit/>
+          </a:bodyPr>
+          <a:lstStyle/>
+          <a:p>
+            <a:r>
+              <a:rPr kumimoji="1" lang="ja-JP" altLang="en-US" sz="3200" dirty="0" smtClean="0">
+                <a:solidFill>
+                  <a:schemeClr val="bg1"/>
+                </a:solidFill>
+                <a:latin typeface="ＭＳ ゴシック" panose="020B0609070205080204" pitchFamily="49" charset="-128"/>
+                <a:ea typeface="ＭＳ ゴシック" panose="020B0609070205080204" pitchFamily="49" charset="-128"/>
+              </a:rPr>
+              <a:t>ストーリー</a:t>
+            </a:r>
+            <a:endParaRPr kumimoji="1" lang="ja-JP" altLang="en-US" sz="3200" dirty="0">
+              <a:solidFill>
+                <a:schemeClr val="bg1"/>
+              </a:solidFill>
+              <a:latin typeface="ＭＳ ゴシック" panose="020B0609070205080204" pitchFamily="49" charset="-128"/>
+              <a:ea typeface="ＭＳ ゴシック" panose="020B0609070205080204" pitchFamily="49" charset="-128"/>
+            </a:endParaRPr>
+          </a:p>
+        </p:txBody>
+      </p:sp>
+      <p:sp>
+        <p:nvSpPr>
+          <p:cNvPr id="4" name="テキスト ボックス 3"/>
+          <p:cNvSpPr txBox="1"/>
+          <p:nvPr/>
+        </p:nvSpPr>
+        <p:spPr>
+          <a:xfrm>
+            <a:off x="1614400" y="4671124"/>
+            <a:ext cx="8802410" cy="1077218"/>
+          </a:xfrm>
+          <a:prstGeom prst="rect">
+            <a:avLst/>
+          </a:prstGeom>
+          <a:noFill/>
+        </p:spPr>
+        <p:txBody>
+          <a:bodyPr wrap="none" rtlCol="0">
+            <a:spAutoFit/>
+          </a:bodyPr>
+          <a:lstStyle/>
+          <a:p>
+            <a:r>
+              <a:rPr kumimoji="1" lang="ja-JP" altLang="en-US" sz="3200" dirty="0" smtClean="0">
+                <a:solidFill>
+                  <a:schemeClr val="bg1"/>
+                </a:solidFill>
+                <a:latin typeface="ＭＳ ゴシック" panose="020B0609070205080204" pitchFamily="49" charset="-128"/>
+                <a:ea typeface="ＭＳ ゴシック" panose="020B0609070205080204" pitchFamily="49" charset="-128"/>
+              </a:rPr>
+              <a:t>森で異変が起こっていることを知った主人公は</a:t>
+            </a:r>
+            <a:endParaRPr kumimoji="1" lang="en-US" altLang="ja-JP" sz="3200" dirty="0" smtClean="0">
+              <a:solidFill>
+                <a:schemeClr val="bg1"/>
+              </a:solidFill>
+              <a:latin typeface="ＭＳ ゴシック" panose="020B0609070205080204" pitchFamily="49" charset="-128"/>
+              <a:ea typeface="ＭＳ ゴシック" panose="020B0609070205080204" pitchFamily="49" charset="-128"/>
+            </a:endParaRPr>
+          </a:p>
+          <a:p>
+            <a:r>
+              <a:rPr lang="ja-JP" altLang="en-US" sz="3200" dirty="0">
+                <a:solidFill>
+                  <a:schemeClr val="bg1"/>
+                </a:solidFill>
+                <a:latin typeface="ＭＳ ゴシック" panose="020B0609070205080204" pitchFamily="49" charset="-128"/>
+                <a:ea typeface="ＭＳ ゴシック" panose="020B0609070205080204" pitchFamily="49" charset="-128"/>
+              </a:rPr>
+              <a:t>異変を解決するため</a:t>
+            </a:r>
+            <a:r>
+              <a:rPr lang="ja-JP" altLang="en-US" sz="3200" dirty="0" smtClean="0">
+                <a:solidFill>
+                  <a:schemeClr val="bg1"/>
+                </a:solidFill>
+                <a:latin typeface="ＭＳ ゴシック" panose="020B0609070205080204" pitchFamily="49" charset="-128"/>
+                <a:ea typeface="ＭＳ ゴシック" panose="020B0609070205080204" pitchFamily="49" charset="-128"/>
+              </a:rPr>
+              <a:t>に動くこととなった</a:t>
+            </a:r>
+            <a:endParaRPr kumimoji="1" lang="ja-JP" altLang="en-US" sz="3200" dirty="0">
+              <a:solidFill>
+                <a:schemeClr val="bg1"/>
+              </a:solidFill>
+              <a:latin typeface="ＭＳ ゴシック" panose="020B0609070205080204" pitchFamily="49" charset="-128"/>
+              <a:ea typeface="ＭＳ ゴシック" panose="020B0609070205080204" pitchFamily="49" charset="-128"/>
             </a:endParaRPr>
           </a:p>
         </p:txBody>
@@ -4867,7 +5103,7 @@
           </p:cNvPicPr>
           <p:nvPr/>
         </p:nvPicPr>
-        <p:blipFill>
+        <p:blipFill rotWithShape="1">
           <a:blip r:embed="rId3">
             <a:extLst>
               <a:ext uri="{28A0092B-C50C-407E-A947-70E740481C1C}">
@@ -4875,14 +5111,13 @@
               </a:ext>
             </a:extLst>
           </a:blip>
-          <a:stretch>
-            <a:fillRect/>
-          </a:stretch>
+          <a:srcRect l="45588" t="41943" r="45374" b="41411"/>
+          <a:stretch/>
         </p:blipFill>
         <p:spPr>
           <a:xfrm>
-            <a:off x="-1319134" y="1965763"/>
-            <a:ext cx="5330696" cy="3130572"/>
+            <a:off x="2896539" y="2269938"/>
+            <a:ext cx="481781" cy="521110"/>
           </a:xfrm>
           <a:prstGeom prst="rect">
             <a:avLst/>
@@ -4897,7 +5132,7 @@
           </p:cNvPicPr>
           <p:nvPr/>
         </p:nvPicPr>
-        <p:blipFill>
+        <p:blipFill rotWithShape="1">
           <a:blip r:embed="rId4">
             <a:extLst>
               <a:ext uri="{28A0092B-C50C-407E-A947-70E740481C1C}">
@@ -4905,14 +5140,13 @@
               </a:ext>
             </a:extLst>
           </a:blip>
-          <a:stretch>
-            <a:fillRect/>
-          </a:stretch>
+          <a:srcRect l="44122" t="41348" r="44047" b="41296"/>
+          <a:stretch/>
         </p:blipFill>
         <p:spPr>
           <a:xfrm>
-            <a:off x="-797520" y="1949037"/>
-            <a:ext cx="5402062" cy="3172483"/>
+            <a:off x="3468161" y="2254134"/>
+            <a:ext cx="639097" cy="550607"/>
           </a:xfrm>
           <a:prstGeom prst="rect">
             <a:avLst/>
@@ -4927,8 +5161,8 @@
         </p:nvSpPr>
         <p:spPr>
           <a:xfrm>
-            <a:off x="2595790" y="3300215"/>
-            <a:ext cx="1415772" cy="461665"/>
+            <a:off x="4286939" y="2267828"/>
+            <a:ext cx="1826141" cy="584775"/>
           </a:xfrm>
           <a:prstGeom prst="rect">
             <a:avLst/>
@@ -4942,17 +5176,21 @@
           <a:lstStyle/>
           <a:p>
             <a:r>
-              <a:rPr kumimoji="1" lang="ja-JP" altLang="en-US" sz="2400" dirty="0" smtClean="0">
+              <a:rPr kumimoji="1" lang="ja-JP" altLang="en-US" sz="3200" dirty="0" smtClean="0">
                 <a:solidFill>
                   <a:schemeClr val="bg1"/>
                 </a:solidFill>
+                <a:latin typeface="ＭＳ ゴシック" panose="020B0609070205080204" pitchFamily="49" charset="-128"/>
+                <a:ea typeface="ＭＳ ゴシック" panose="020B0609070205080204" pitchFamily="49" charset="-128"/>
               </a:rPr>
               <a:t>左右移動</a:t>
             </a:r>
-            <a:endParaRPr kumimoji="1" lang="ja-JP" altLang="en-US" sz="2400" dirty="0">
+            <a:endParaRPr kumimoji="1" lang="ja-JP" altLang="en-US" sz="3200" dirty="0">
               <a:solidFill>
                 <a:schemeClr val="bg1"/>
               </a:solidFill>
+              <a:latin typeface="ＭＳ ゴシック" panose="020B0609070205080204" pitchFamily="49" charset="-128"/>
+              <a:ea typeface="ＭＳ ゴシック" panose="020B0609070205080204" pitchFamily="49" charset="-128"/>
             </a:endParaRPr>
           </a:p>
         </p:txBody>
@@ -4965,7 +5203,7 @@
           </p:cNvPicPr>
           <p:nvPr/>
         </p:nvPicPr>
-        <p:blipFill>
+        <p:blipFill rotWithShape="1">
           <a:blip r:embed="rId5">
             <a:extLst>
               <a:ext uri="{28A0092B-C50C-407E-A947-70E740481C1C}">
@@ -4973,14 +5211,13 @@
               </a:ext>
             </a:extLst>
           </a:blip>
-          <a:stretch>
-            <a:fillRect/>
-          </a:stretch>
+          <a:srcRect l="15351" t="12569" r="26283" b="19664"/>
+          <a:stretch/>
         </p:blipFill>
         <p:spPr>
           <a:xfrm>
-            <a:off x="352118" y="4529500"/>
-            <a:ext cx="2510035" cy="2510035"/>
+            <a:off x="2529349" y="3775587"/>
+            <a:ext cx="1465007" cy="1700981"/>
           </a:xfrm>
           <a:prstGeom prst="rect">
             <a:avLst/>
@@ -4995,8 +5232,8 @@
         </p:nvSpPr>
         <p:spPr>
           <a:xfrm>
-            <a:off x="2743200" y="5465723"/>
-            <a:ext cx="800219" cy="461665"/>
+            <a:off x="4434349" y="4433336"/>
+            <a:ext cx="1229273" cy="584775"/>
           </a:xfrm>
           <a:prstGeom prst="rect">
             <a:avLst/>
@@ -5004,23 +5241,27 @@
           <a:noFill/>
         </p:spPr>
         <p:txBody>
-          <a:bodyPr wrap="none" rtlCol="0">
+          <a:bodyPr wrap="square" rtlCol="0">
             <a:spAutoFit/>
           </a:bodyPr>
           <a:lstStyle/>
           <a:p>
             <a:r>
-              <a:rPr kumimoji="1" lang="ja-JP" altLang="en-US" sz="2400" dirty="0" smtClean="0">
+              <a:rPr kumimoji="1" lang="ja-JP" altLang="en-US" sz="3200" dirty="0" smtClean="0">
                 <a:solidFill>
                   <a:schemeClr val="bg1"/>
                 </a:solidFill>
+                <a:latin typeface="ＭＳ ゴシック" panose="020B0609070205080204" pitchFamily="49" charset="-128"/>
+                <a:ea typeface="ＭＳ ゴシック" panose="020B0609070205080204" pitchFamily="49" charset="-128"/>
               </a:rPr>
               <a:t>攻撃</a:t>
             </a:r>
-            <a:endParaRPr kumimoji="1" lang="ja-JP" altLang="en-US" sz="2400" dirty="0">
+            <a:endParaRPr kumimoji="1" lang="ja-JP" altLang="en-US" sz="3200" dirty="0">
               <a:solidFill>
                 <a:schemeClr val="bg1"/>
               </a:solidFill>
+              <a:latin typeface="ＭＳ ゴシック" panose="020B0609070205080204" pitchFamily="49" charset="-128"/>
+              <a:ea typeface="ＭＳ ゴシック" panose="020B0609070205080204" pitchFamily="49" charset="-128"/>
             </a:endParaRPr>
           </a:p>
         </p:txBody>
@@ -5033,7 +5274,7 @@
           </p:cNvPicPr>
           <p:nvPr/>
         </p:nvPicPr>
-        <p:blipFill>
+        <p:blipFill rotWithShape="1">
           <a:blip r:embed="rId6">
             <a:extLst>
               <a:ext uri="{28A0092B-C50C-407E-A947-70E740481C1C}">
@@ -5041,14 +5282,13 @@
               </a:ext>
             </a:extLst>
           </a:blip>
-          <a:stretch>
-            <a:fillRect/>
-          </a:stretch>
+          <a:srcRect l="36991" t="42643" r="37861" b="40723"/>
+          <a:stretch/>
         </p:blipFill>
         <p:spPr>
           <a:xfrm>
-            <a:off x="-1341111" y="2615564"/>
-            <a:ext cx="5896491" cy="3462848"/>
+            <a:off x="2786009" y="3222038"/>
+            <a:ext cx="1189703" cy="462117"/>
           </a:xfrm>
           <a:prstGeom prst="rect">
             <a:avLst/>
@@ -5063,8 +5303,8 @@
         </p:nvSpPr>
         <p:spPr>
           <a:xfrm>
-            <a:off x="2595790" y="4116156"/>
-            <a:ext cx="1415772" cy="461665"/>
+            <a:off x="4286939" y="3083769"/>
+            <a:ext cx="1826141" cy="584775"/>
           </a:xfrm>
           <a:prstGeom prst="rect">
             <a:avLst/>
@@ -5078,17 +5318,21 @@
           <a:lstStyle/>
           <a:p>
             <a:r>
-              <a:rPr kumimoji="1" lang="ja-JP" altLang="en-US" sz="2400" dirty="0" smtClean="0">
+              <a:rPr kumimoji="1" lang="ja-JP" altLang="en-US" sz="3200" dirty="0" smtClean="0">
                 <a:solidFill>
                   <a:schemeClr val="bg1"/>
                 </a:solidFill>
+                <a:latin typeface="ＭＳ ゴシック" panose="020B0609070205080204" pitchFamily="49" charset="-128"/>
+                <a:ea typeface="ＭＳ ゴシック" panose="020B0609070205080204" pitchFamily="49" charset="-128"/>
               </a:rPr>
               <a:t>ジャンプ</a:t>
             </a:r>
-            <a:endParaRPr kumimoji="1" lang="ja-JP" altLang="en-US" sz="2400" dirty="0">
+            <a:endParaRPr kumimoji="1" lang="ja-JP" altLang="en-US" sz="3200" dirty="0">
               <a:solidFill>
                 <a:schemeClr val="bg1"/>
               </a:solidFill>
+              <a:latin typeface="ＭＳ ゴシック" panose="020B0609070205080204" pitchFamily="49" charset="-128"/>
+              <a:ea typeface="ＭＳ ゴシック" panose="020B0609070205080204" pitchFamily="49" charset="-128"/>
             </a:endParaRPr>
           </a:p>
         </p:txBody>
@@ -5135,92 +5379,76 @@
       </p:grpSpPr>
       <p:sp>
         <p:nvSpPr>
-          <p:cNvPr id="2" name="タイトル 1"/>
-          <p:cNvSpPr>
-            <a:spLocks noGrp="1"/>
-          </p:cNvSpPr>
-          <p:nvPr>
-            <p:ph type="title"/>
-          </p:nvPr>
+          <p:cNvPr id="2" name="テキスト ボックス 1"/>
+          <p:cNvSpPr txBox="1"/>
+          <p:nvPr/>
         </p:nvSpPr>
         <p:spPr>
           <a:xfrm>
-            <a:off x="838200" y="580377"/>
-            <a:ext cx="10515600" cy="706964"/>
+            <a:off x="2930013" y="393291"/>
+            <a:ext cx="6567949" cy="830997"/>
           </a:xfrm>
+          <a:prstGeom prst="rect">
+            <a:avLst/>
+          </a:prstGeom>
+          <a:noFill/>
         </p:spPr>
         <p:txBody>
-          <a:bodyPr>
-            <a:noAutofit/>
+          <a:bodyPr wrap="square" rtlCol="0">
+            <a:spAutoFit/>
           </a:bodyPr>
           <a:lstStyle/>
           <a:p>
             <a:r>
-              <a:rPr kumimoji="1" lang="ja-JP" altLang="en-US" sz="3600" dirty="0" smtClean="0">
+              <a:rPr kumimoji="1" lang="ja-JP" altLang="en-US" sz="4800" b="1" spc="50" dirty="0" smtClean="0">
+                <a:ln w="9525" cmpd="sng">
+                  <a:solidFill>
+                    <a:schemeClr val="accent1"/>
+                  </a:solidFill>
+                  <a:prstDash val="solid"/>
+                </a:ln>
                 <a:solidFill>
-                  <a:schemeClr val="bg1"/>
+                  <a:srgbClr val="70AD47">
+                    <a:tint val="1000"/>
+                  </a:srgbClr>
                 </a:solidFill>
-                <a:latin typeface="ＭＳ ゴシック" panose="020B0609070205080204" pitchFamily="49" charset="-128"/>
-                <a:ea typeface="ＭＳ ゴシック" panose="020B0609070205080204" pitchFamily="49" charset="-128"/>
+                <a:effectLst>
+                  <a:glow rad="38100">
+                    <a:schemeClr val="accent1">
+                      <a:alpha val="40000"/>
+                    </a:schemeClr>
+                  </a:glow>
+                </a:effectLst>
               </a:rPr>
-              <a:t>この</a:t>
-            </a:r>
-            <a:r>
-              <a:rPr kumimoji="1" lang="ja-JP" altLang="en-US" sz="4000" dirty="0" smtClean="0">
+              <a:t>ゲーム映像追加部分</a:t>
+            </a:r>
+            <a:endParaRPr kumimoji="1" lang="ja-JP" altLang="en-US" sz="4800" b="1" spc="50" dirty="0">
+              <a:ln w="9525" cmpd="sng">
                 <a:solidFill>
-                  <a:schemeClr val="bg1"/>
+                  <a:schemeClr val="accent1"/>
                 </a:solidFill>
-                <a:latin typeface="ＭＳ ゴシック" panose="020B0609070205080204" pitchFamily="49" charset="-128"/>
-                <a:ea typeface="ＭＳ ゴシック" panose="020B0609070205080204" pitchFamily="49" charset="-128"/>
-              </a:rPr>
-              <a:t>ゲーム</a:t>
-            </a:r>
-            <a:r>
-              <a:rPr kumimoji="1" lang="ja-JP" altLang="en-US" sz="3600" dirty="0" smtClean="0">
-                <a:solidFill>
-                  <a:schemeClr val="bg1"/>
-                </a:solidFill>
-                <a:latin typeface="ＭＳ ゴシック" panose="020B0609070205080204" pitchFamily="49" charset="-128"/>
-                <a:ea typeface="ＭＳ ゴシック" panose="020B0609070205080204" pitchFamily="49" charset="-128"/>
-              </a:rPr>
-              <a:t>のおすすめポイント、工夫したところ</a:t>
-            </a:r>
-            <a:endParaRPr kumimoji="1" lang="ja-JP" altLang="en-US" sz="3600" dirty="0">
+                <a:prstDash val="solid"/>
+              </a:ln>
               <a:solidFill>
-                <a:schemeClr val="bg1"/>
+                <a:srgbClr val="70AD47">
+                  <a:tint val="1000"/>
+                </a:srgbClr>
               </a:solidFill>
-              <a:latin typeface="ＭＳ ゴシック" panose="020B0609070205080204" pitchFamily="49" charset="-128"/>
-              <a:ea typeface="ＭＳ ゴシック" panose="020B0609070205080204" pitchFamily="49" charset="-128"/>
+              <a:effectLst>
+                <a:glow rad="38100">
+                  <a:schemeClr val="accent1">
+                    <a:alpha val="40000"/>
+                  </a:schemeClr>
+                </a:glow>
+              </a:effectLst>
             </a:endParaRPr>
-          </a:p>
-        </p:txBody>
-      </p:sp>
-      <p:sp>
-        <p:nvSpPr>
-          <p:cNvPr id="3" name="コンテンツ プレースホルダー 2"/>
-          <p:cNvSpPr>
-            <a:spLocks noGrp="1"/>
-          </p:cNvSpPr>
-          <p:nvPr>
-            <p:ph idx="1"/>
-          </p:nvPr>
-        </p:nvSpPr>
-        <p:spPr/>
-        <p:txBody>
-          <a:bodyPr/>
-          <a:lstStyle/>
-          <a:p>
-            <a:pPr marL="0" indent="0">
-              <a:buNone/>
-            </a:pPr>
-            <a:endParaRPr kumimoji="1" lang="ja-JP" altLang="en-US" dirty="0"/>
           </a:p>
         </p:txBody>
       </p:sp>
     </p:spTree>
     <p:extLst>
       <p:ext uri="{BB962C8B-B14F-4D97-AF65-F5344CB8AC3E}">
-        <p14:creationId xmlns:p14="http://schemas.microsoft.com/office/powerpoint/2010/main" val="2666161811"/>
+        <p14:creationId xmlns:p14="http://schemas.microsoft.com/office/powerpoint/2010/main" val="4225621238"/>
       </p:ext>
     </p:extLst>
   </p:cSld>
@@ -5267,6 +5495,218 @@
             <p:ph type="title"/>
           </p:nvPr>
         </p:nvSpPr>
+        <p:spPr>
+          <a:xfrm>
+            <a:off x="363794" y="306131"/>
+            <a:ext cx="11670890" cy="1325563"/>
+          </a:xfrm>
+        </p:spPr>
+        <p:txBody>
+          <a:bodyPr>
+            <a:noAutofit/>
+          </a:bodyPr>
+          <a:lstStyle/>
+          <a:p>
+            <a:r>
+              <a:rPr kumimoji="1" lang="ja-JP" altLang="en-US" sz="4000" dirty="0" smtClean="0">
+                <a:solidFill>
+                  <a:schemeClr val="bg1"/>
+                </a:solidFill>
+                <a:latin typeface="ＭＳ ゴシック" panose="020B0609070205080204" pitchFamily="49" charset="-128"/>
+                <a:ea typeface="ＭＳ ゴシック" panose="020B0609070205080204" pitchFamily="49" charset="-128"/>
+              </a:rPr>
+              <a:t>このゲームのおすすめポイント、工夫したところ</a:t>
+            </a:r>
+            <a:endParaRPr kumimoji="1" lang="ja-JP" altLang="en-US" sz="4000" dirty="0">
+              <a:solidFill>
+                <a:schemeClr val="bg1"/>
+              </a:solidFill>
+              <a:latin typeface="ＭＳ ゴシック" panose="020B0609070205080204" pitchFamily="49" charset="-128"/>
+              <a:ea typeface="ＭＳ ゴシック" panose="020B0609070205080204" pitchFamily="49" charset="-128"/>
+            </a:endParaRPr>
+          </a:p>
+        </p:txBody>
+      </p:sp>
+      <p:sp>
+        <p:nvSpPr>
+          <p:cNvPr id="6" name="テキスト ボックス 5"/>
+          <p:cNvSpPr txBox="1"/>
+          <p:nvPr/>
+        </p:nvSpPr>
+        <p:spPr>
+          <a:xfrm>
+            <a:off x="1179463" y="1923191"/>
+            <a:ext cx="9623147" cy="1569660"/>
+          </a:xfrm>
+          <a:prstGeom prst="rect">
+            <a:avLst/>
+          </a:prstGeom>
+          <a:noFill/>
+        </p:spPr>
+        <p:txBody>
+          <a:bodyPr wrap="none" rtlCol="0">
+            <a:spAutoFit/>
+          </a:bodyPr>
+          <a:lstStyle/>
+          <a:p>
+            <a:r>
+              <a:rPr kumimoji="1" lang="ja-JP" altLang="en-US" sz="3200" dirty="0" smtClean="0">
+                <a:solidFill>
+                  <a:schemeClr val="bg1"/>
+                </a:solidFill>
+                <a:latin typeface="ＭＳ ゴシック" panose="020B0609070205080204" pitchFamily="49" charset="-128"/>
+                <a:ea typeface="ＭＳ ゴシック" panose="020B0609070205080204" pitchFamily="49" charset="-128"/>
+              </a:rPr>
+              <a:t>今まで、したことがあるような</a:t>
+            </a:r>
+            <a:endParaRPr kumimoji="1" lang="en-US" altLang="ja-JP" sz="3200" dirty="0" smtClean="0">
+              <a:solidFill>
+                <a:schemeClr val="bg1"/>
+              </a:solidFill>
+              <a:latin typeface="ＭＳ ゴシック" panose="020B0609070205080204" pitchFamily="49" charset="-128"/>
+              <a:ea typeface="ＭＳ ゴシック" panose="020B0609070205080204" pitchFamily="49" charset="-128"/>
+            </a:endParaRPr>
+          </a:p>
+          <a:p>
+            <a:r>
+              <a:rPr kumimoji="1" lang="ja-JP" altLang="en-US" sz="3200" dirty="0" smtClean="0">
+                <a:solidFill>
+                  <a:schemeClr val="bg1"/>
+                </a:solidFill>
+                <a:latin typeface="ＭＳ ゴシック" panose="020B0609070205080204" pitchFamily="49" charset="-128"/>
+                <a:ea typeface="ＭＳ ゴシック" panose="020B0609070205080204" pitchFamily="49" charset="-128"/>
+              </a:rPr>
+              <a:t>２</a:t>
+            </a:r>
+            <a:r>
+              <a:rPr lang="en-US" altLang="ja-JP" sz="3200" dirty="0">
+                <a:solidFill>
+                  <a:schemeClr val="bg1"/>
+                </a:solidFill>
+                <a:latin typeface="ＭＳ ゴシック" panose="020B0609070205080204" pitchFamily="49" charset="-128"/>
+                <a:ea typeface="ＭＳ ゴシック" panose="020B0609070205080204" pitchFamily="49" charset="-128"/>
+              </a:rPr>
+              <a:t>Ⅾ</a:t>
+            </a:r>
+            <a:r>
+              <a:rPr lang="ja-JP" altLang="en-US" sz="3200" dirty="0" smtClean="0">
+                <a:solidFill>
+                  <a:schemeClr val="bg1"/>
+                </a:solidFill>
+                <a:latin typeface="ＭＳ ゴシック" panose="020B0609070205080204" pitchFamily="49" charset="-128"/>
+                <a:ea typeface="ＭＳ ゴシック" panose="020B0609070205080204" pitchFamily="49" charset="-128"/>
+              </a:rPr>
+              <a:t>アクションに</a:t>
+            </a:r>
+            <a:r>
+              <a:rPr lang="ja-JP" altLang="en-US" sz="3200" dirty="0">
+                <a:solidFill>
+                  <a:schemeClr val="bg1"/>
+                </a:solidFill>
+                <a:latin typeface="ＭＳ ゴシック" panose="020B0609070205080204" pitchFamily="49" charset="-128"/>
+                <a:ea typeface="ＭＳ ゴシック" panose="020B0609070205080204" pitchFamily="49" charset="-128"/>
+              </a:rPr>
+              <a:t>しているの</a:t>
+            </a:r>
+            <a:r>
+              <a:rPr lang="ja-JP" altLang="en-US" sz="3200" dirty="0" smtClean="0">
+                <a:solidFill>
+                  <a:schemeClr val="bg1"/>
+                </a:solidFill>
+                <a:latin typeface="ＭＳ ゴシック" panose="020B0609070205080204" pitchFamily="49" charset="-128"/>
+                <a:ea typeface="ＭＳ ゴシック" panose="020B0609070205080204" pitchFamily="49" charset="-128"/>
+              </a:rPr>
+              <a:t>で</a:t>
+            </a:r>
+            <a:endParaRPr lang="en-US" altLang="ja-JP" sz="3200" dirty="0" smtClean="0">
+              <a:solidFill>
+                <a:schemeClr val="bg1"/>
+              </a:solidFill>
+              <a:latin typeface="ＭＳ ゴシック" panose="020B0609070205080204" pitchFamily="49" charset="-128"/>
+              <a:ea typeface="ＭＳ ゴシック" panose="020B0609070205080204" pitchFamily="49" charset="-128"/>
+            </a:endParaRPr>
+          </a:p>
+          <a:p>
+            <a:r>
+              <a:rPr lang="ja-JP" altLang="en-US" sz="3200" dirty="0">
+                <a:solidFill>
+                  <a:schemeClr val="bg1"/>
+                </a:solidFill>
+                <a:latin typeface="ＭＳ ゴシック" panose="020B0609070205080204" pitchFamily="49" charset="-128"/>
+                <a:ea typeface="ＭＳ ゴシック" panose="020B0609070205080204" pitchFamily="49" charset="-128"/>
+              </a:rPr>
+              <a:t>懐かしさや</a:t>
+            </a:r>
+            <a:r>
+              <a:rPr lang="ja-JP" altLang="en-US" sz="3200" dirty="0" smtClean="0">
+                <a:solidFill>
+                  <a:schemeClr val="bg1"/>
+                </a:solidFill>
+                <a:latin typeface="ＭＳ ゴシック" panose="020B0609070205080204" pitchFamily="49" charset="-128"/>
+                <a:ea typeface="ＭＳ ゴシック" panose="020B0609070205080204" pitchFamily="49" charset="-128"/>
+              </a:rPr>
+              <a:t>親しみやすさなどを感じることができる</a:t>
+            </a:r>
+            <a:endParaRPr kumimoji="1" lang="ja-JP" altLang="en-US" sz="3200" dirty="0">
+              <a:solidFill>
+                <a:schemeClr val="bg1"/>
+              </a:solidFill>
+              <a:latin typeface="ＭＳ ゴシック" panose="020B0609070205080204" pitchFamily="49" charset="-128"/>
+              <a:ea typeface="ＭＳ ゴシック" panose="020B0609070205080204" pitchFamily="49" charset="-128"/>
+            </a:endParaRPr>
+          </a:p>
+        </p:txBody>
+      </p:sp>
+    </p:spTree>
+    <p:extLst>
+      <p:ext uri="{BB962C8B-B14F-4D97-AF65-F5344CB8AC3E}">
+        <p14:creationId xmlns:p14="http://schemas.microsoft.com/office/powerpoint/2010/main" val="2666161811"/>
+      </p:ext>
+    </p:extLst>
+  </p:cSld>
+  <p:clrMapOvr>
+    <a:masterClrMapping/>
+  </p:clrMapOvr>
+  <p:transition spd="slow">
+    <p:push dir="u"/>
+  </p:transition>
+  <p:timing>
+    <p:tnLst>
+      <p:par>
+        <p:cTn id="1" dur="indefinite" restart="never" nodeType="tmRoot"/>
+      </p:par>
+    </p:tnLst>
+  </p:timing>
+</p:sld>
+</file>
+
+<file path=ppt/slides/slide8.xml><?xml version="1.0" encoding="utf-8"?>
+<p:sld xmlns:a="http://schemas.openxmlformats.org/drawingml/2006/main" xmlns:r="http://schemas.openxmlformats.org/officeDocument/2006/relationships" xmlns:p="http://schemas.openxmlformats.org/presentationml/2006/main">
+  <p:cSld>
+    <p:spTree>
+      <p:nvGrpSpPr>
+        <p:cNvPr id="1" name=""/>
+        <p:cNvGrpSpPr/>
+        <p:nvPr/>
+      </p:nvGrpSpPr>
+      <p:grpSpPr>
+        <a:xfrm>
+          <a:off x="0" y="0"/>
+          <a:ext cx="0" cy="0"/>
+          <a:chOff x="0" y="0"/>
+          <a:chExt cx="0" cy="0"/>
+        </a:xfrm>
+      </p:grpSpPr>
+      <p:sp>
+        <p:nvSpPr>
+          <p:cNvPr id="2" name="タイトル 1"/>
+          <p:cNvSpPr>
+            <a:spLocks noGrp="1"/>
+          </p:cNvSpPr>
+          <p:nvPr>
+            <p:ph type="title"/>
+          </p:nvPr>
+        </p:nvSpPr>
         <p:spPr/>
         <p:txBody>
           <a:bodyPr/>
@@ -5289,25 +5729,6 @@
               <a:latin typeface="ＭＳ ゴシック" panose="020B0609070205080204" pitchFamily="49" charset="-128"/>
               <a:ea typeface="ＭＳ ゴシック" panose="020B0609070205080204" pitchFamily="49" charset="-128"/>
             </a:endParaRPr>
-          </a:p>
-        </p:txBody>
-      </p:sp>
-      <p:sp>
-        <p:nvSpPr>
-          <p:cNvPr id="3" name="コンテンツ プレースホルダー 2"/>
-          <p:cNvSpPr>
-            <a:spLocks noGrp="1"/>
-          </p:cNvSpPr>
-          <p:nvPr>
-            <p:ph idx="1"/>
-          </p:nvPr>
-        </p:nvSpPr>
-        <p:spPr/>
-        <p:txBody>
-          <a:bodyPr/>
-          <a:lstStyle/>
-          <a:p>
-            <a:endParaRPr kumimoji="1" lang="ja-JP" altLang="en-US"/>
           </a:p>
         </p:txBody>
       </p:sp>
